--- a/assignments/pabbisetty/extra-credit/Only One Out of Five Archived Web Pages.pptx
+++ b/assignments/pabbisetty/extra-credit/Only One Out of Five Archived Web Pages.pptx
@@ -22,7 +22,8 @@
     <p:sldId id="269" r:id="rId16"/>
     <p:sldId id="274" r:id="rId17"/>
     <p:sldId id="277" r:id="rId18"/>
-    <p:sldId id="270" r:id="rId19"/>
+    <p:sldId id="278" r:id="rId19"/>
+    <p:sldId id="270" r:id="rId20"/>
   </p:sldIdLst>
   <p:sldSz cx="12192000" cy="6858000"/>
   <p:notesSz cx="6858000" cy="9144000"/>
@@ -121,6 +122,11 @@
       </a:defRPr>
     </a:lvl9pPr>
   </p:defaultTextStyle>
+  <p:extLst>
+    <p:ext uri="{EFAFB233-063F-42B5-8137-9DF3F51BA10A}">
+      <p15:sldGuideLst xmlns:p15="http://schemas.microsoft.com/office/powerpoint/2012/main"/>
+    </p:ext>
+  </p:extLst>
 </p:presentation>
 </file>
 
@@ -166,10 +172,9 @@
           </a:lstStyle>
           <a:p>
             <a:r>
-              <a:rPr lang="en-US" smtClean="0"/>
+              <a:rPr lang="en-US"/>
               <a:t>Click to edit Master title style</a:t>
             </a:r>
-            <a:endParaRPr lang="en-US"/>
           </a:p>
         </p:txBody>
       </p:sp>
@@ -231,10 +236,9 @@
           </a:lstStyle>
           <a:p>
             <a:r>
-              <a:rPr lang="en-US" smtClean="0"/>
+              <a:rPr lang="en-US"/>
               <a:t>Click to edit Master subtitle style</a:t>
             </a:r>
-            <a:endParaRPr lang="en-US"/>
           </a:p>
         </p:txBody>
       </p:sp>
@@ -255,7 +259,7 @@
           <a:p>
             <a:fld id="{EA0B9F1C-9B4E-43D7-95D6-537E011A2A79}" type="datetimeFigureOut">
               <a:rPr lang="en-US" smtClean="0"/>
-              <a:t>5/7/2019</a:t>
+              <a:t>5/8/19</a:t>
             </a:fld>
             <a:endParaRPr lang="en-US"/>
           </a:p>
@@ -349,10 +353,9 @@
           <a:lstStyle/>
           <a:p>
             <a:r>
-              <a:rPr lang="en-US" smtClean="0"/>
+              <a:rPr lang="en-US"/>
               <a:t>Click to edit Master title style</a:t>
             </a:r>
-            <a:endParaRPr lang="en-US"/>
           </a:p>
         </p:txBody>
       </p:sp>
@@ -373,38 +376,37 @@
           <a:p>
             <a:pPr lvl="0"/>
             <a:r>
-              <a:rPr lang="en-US" smtClean="0"/>
+              <a:rPr lang="en-US"/>
               <a:t>Edit Master text styles</a:t>
             </a:r>
           </a:p>
           <a:p>
             <a:pPr lvl="1"/>
             <a:r>
-              <a:rPr lang="en-US" smtClean="0"/>
+              <a:rPr lang="en-US"/>
               <a:t>Second level</a:t>
             </a:r>
           </a:p>
           <a:p>
             <a:pPr lvl="2"/>
             <a:r>
-              <a:rPr lang="en-US" smtClean="0"/>
+              <a:rPr lang="en-US"/>
               <a:t>Third level</a:t>
             </a:r>
           </a:p>
           <a:p>
             <a:pPr lvl="3"/>
             <a:r>
-              <a:rPr lang="en-US" smtClean="0"/>
+              <a:rPr lang="en-US"/>
               <a:t>Fourth level</a:t>
             </a:r>
           </a:p>
           <a:p>
             <a:pPr lvl="4"/>
             <a:r>
-              <a:rPr lang="en-US" smtClean="0"/>
+              <a:rPr lang="en-US"/>
               <a:t>Fifth level</a:t>
             </a:r>
-            <a:endParaRPr lang="en-US"/>
           </a:p>
         </p:txBody>
       </p:sp>
@@ -425,7 +427,7 @@
           <a:p>
             <a:fld id="{EA0B9F1C-9B4E-43D7-95D6-537E011A2A79}" type="datetimeFigureOut">
               <a:rPr lang="en-US" smtClean="0"/>
-              <a:t>5/7/2019</a:t>
+              <a:t>5/8/19</a:t>
             </a:fld>
             <a:endParaRPr lang="en-US"/>
           </a:p>
@@ -524,10 +526,9 @@
           <a:lstStyle/>
           <a:p>
             <a:r>
-              <a:rPr lang="en-US" smtClean="0"/>
+              <a:rPr lang="en-US"/>
               <a:t>Click to edit Master title style</a:t>
             </a:r>
-            <a:endParaRPr lang="en-US"/>
           </a:p>
         </p:txBody>
       </p:sp>
@@ -553,38 +554,37 @@
           <a:p>
             <a:pPr lvl="0"/>
             <a:r>
-              <a:rPr lang="en-US" smtClean="0"/>
+              <a:rPr lang="en-US"/>
               <a:t>Edit Master text styles</a:t>
             </a:r>
           </a:p>
           <a:p>
             <a:pPr lvl="1"/>
             <a:r>
-              <a:rPr lang="en-US" smtClean="0"/>
+              <a:rPr lang="en-US"/>
               <a:t>Second level</a:t>
             </a:r>
           </a:p>
           <a:p>
             <a:pPr lvl="2"/>
             <a:r>
-              <a:rPr lang="en-US" smtClean="0"/>
+              <a:rPr lang="en-US"/>
               <a:t>Third level</a:t>
             </a:r>
           </a:p>
           <a:p>
             <a:pPr lvl="3"/>
             <a:r>
-              <a:rPr lang="en-US" smtClean="0"/>
+              <a:rPr lang="en-US"/>
               <a:t>Fourth level</a:t>
             </a:r>
           </a:p>
           <a:p>
             <a:pPr lvl="4"/>
             <a:r>
-              <a:rPr lang="en-US" smtClean="0"/>
+              <a:rPr lang="en-US"/>
               <a:t>Fifth level</a:t>
             </a:r>
-            <a:endParaRPr lang="en-US"/>
           </a:p>
         </p:txBody>
       </p:sp>
@@ -605,7 +605,7 @@
           <a:p>
             <a:fld id="{EA0B9F1C-9B4E-43D7-95D6-537E011A2A79}" type="datetimeFigureOut">
               <a:rPr lang="en-US" smtClean="0"/>
-              <a:t>5/7/2019</a:t>
+              <a:t>5/8/19</a:t>
             </a:fld>
             <a:endParaRPr lang="en-US"/>
           </a:p>
@@ -699,10 +699,9 @@
           <a:lstStyle/>
           <a:p>
             <a:r>
-              <a:rPr lang="en-US" smtClean="0"/>
+              <a:rPr lang="en-US"/>
               <a:t>Click to edit Master title style</a:t>
             </a:r>
-            <a:endParaRPr lang="en-US"/>
           </a:p>
         </p:txBody>
       </p:sp>
@@ -723,38 +722,37 @@
           <a:p>
             <a:pPr lvl="0"/>
             <a:r>
-              <a:rPr lang="en-US" smtClean="0"/>
+              <a:rPr lang="en-US"/>
               <a:t>Edit Master text styles</a:t>
             </a:r>
           </a:p>
           <a:p>
             <a:pPr lvl="1"/>
             <a:r>
-              <a:rPr lang="en-US" smtClean="0"/>
+              <a:rPr lang="en-US"/>
               <a:t>Second level</a:t>
             </a:r>
           </a:p>
           <a:p>
             <a:pPr lvl="2"/>
             <a:r>
-              <a:rPr lang="en-US" smtClean="0"/>
+              <a:rPr lang="en-US"/>
               <a:t>Third level</a:t>
             </a:r>
           </a:p>
           <a:p>
             <a:pPr lvl="3"/>
             <a:r>
-              <a:rPr lang="en-US" smtClean="0"/>
+              <a:rPr lang="en-US"/>
               <a:t>Fourth level</a:t>
             </a:r>
           </a:p>
           <a:p>
             <a:pPr lvl="4"/>
             <a:r>
-              <a:rPr lang="en-US" smtClean="0"/>
+              <a:rPr lang="en-US"/>
               <a:t>Fifth level</a:t>
             </a:r>
-            <a:endParaRPr lang="en-US"/>
           </a:p>
         </p:txBody>
       </p:sp>
@@ -775,7 +773,7 @@
           <a:p>
             <a:fld id="{EA0B9F1C-9B4E-43D7-95D6-537E011A2A79}" type="datetimeFigureOut">
               <a:rPr lang="en-US" smtClean="0"/>
-              <a:t>5/7/2019</a:t>
+              <a:t>5/8/19</a:t>
             </a:fld>
             <a:endParaRPr lang="en-US"/>
           </a:p>
@@ -878,10 +876,9 @@
           </a:lstStyle>
           <a:p>
             <a:r>
-              <a:rPr lang="en-US" smtClean="0"/>
+              <a:rPr lang="en-US"/>
               <a:t>Click to edit Master title style</a:t>
             </a:r>
-            <a:endParaRPr lang="en-US"/>
           </a:p>
         </p:txBody>
       </p:sp>
@@ -998,7 +995,7 @@
           <a:p>
             <a:pPr lvl="0"/>
             <a:r>
-              <a:rPr lang="en-US" smtClean="0"/>
+              <a:rPr lang="en-US"/>
               <a:t>Edit Master text styles</a:t>
             </a:r>
           </a:p>
@@ -1021,7 +1018,7 @@
           <a:p>
             <a:fld id="{EA0B9F1C-9B4E-43D7-95D6-537E011A2A79}" type="datetimeFigureOut">
               <a:rPr lang="en-US" smtClean="0"/>
-              <a:t>5/7/2019</a:t>
+              <a:t>5/8/19</a:t>
             </a:fld>
             <a:endParaRPr lang="en-US"/>
           </a:p>
@@ -1115,10 +1112,9 @@
           <a:lstStyle/>
           <a:p>
             <a:r>
-              <a:rPr lang="en-US" smtClean="0"/>
+              <a:rPr lang="en-US"/>
               <a:t>Click to edit Master title style</a:t>
             </a:r>
-            <a:endParaRPr lang="en-US"/>
           </a:p>
         </p:txBody>
       </p:sp>
@@ -1144,38 +1140,37 @@
           <a:p>
             <a:pPr lvl="0"/>
             <a:r>
-              <a:rPr lang="en-US" smtClean="0"/>
+              <a:rPr lang="en-US"/>
               <a:t>Edit Master text styles</a:t>
             </a:r>
           </a:p>
           <a:p>
             <a:pPr lvl="1"/>
             <a:r>
-              <a:rPr lang="en-US" smtClean="0"/>
+              <a:rPr lang="en-US"/>
               <a:t>Second level</a:t>
             </a:r>
           </a:p>
           <a:p>
             <a:pPr lvl="2"/>
             <a:r>
-              <a:rPr lang="en-US" smtClean="0"/>
+              <a:rPr lang="en-US"/>
               <a:t>Third level</a:t>
             </a:r>
           </a:p>
           <a:p>
             <a:pPr lvl="3"/>
             <a:r>
-              <a:rPr lang="en-US" smtClean="0"/>
+              <a:rPr lang="en-US"/>
               <a:t>Fourth level</a:t>
             </a:r>
           </a:p>
           <a:p>
             <a:pPr lvl="4"/>
             <a:r>
-              <a:rPr lang="en-US" smtClean="0"/>
+              <a:rPr lang="en-US"/>
               <a:t>Fifth level</a:t>
             </a:r>
-            <a:endParaRPr lang="en-US"/>
           </a:p>
         </p:txBody>
       </p:sp>
@@ -1201,38 +1196,37 @@
           <a:p>
             <a:pPr lvl="0"/>
             <a:r>
-              <a:rPr lang="en-US" smtClean="0"/>
+              <a:rPr lang="en-US"/>
               <a:t>Edit Master text styles</a:t>
             </a:r>
           </a:p>
           <a:p>
             <a:pPr lvl="1"/>
             <a:r>
-              <a:rPr lang="en-US" smtClean="0"/>
+              <a:rPr lang="en-US"/>
               <a:t>Second level</a:t>
             </a:r>
           </a:p>
           <a:p>
             <a:pPr lvl="2"/>
             <a:r>
-              <a:rPr lang="en-US" smtClean="0"/>
+              <a:rPr lang="en-US"/>
               <a:t>Third level</a:t>
             </a:r>
           </a:p>
           <a:p>
             <a:pPr lvl="3"/>
             <a:r>
-              <a:rPr lang="en-US" smtClean="0"/>
+              <a:rPr lang="en-US"/>
               <a:t>Fourth level</a:t>
             </a:r>
           </a:p>
           <a:p>
             <a:pPr lvl="4"/>
             <a:r>
-              <a:rPr lang="en-US" smtClean="0"/>
+              <a:rPr lang="en-US"/>
               <a:t>Fifth level</a:t>
             </a:r>
-            <a:endParaRPr lang="en-US"/>
           </a:p>
         </p:txBody>
       </p:sp>
@@ -1253,7 +1247,7 @@
           <a:p>
             <a:fld id="{EA0B9F1C-9B4E-43D7-95D6-537E011A2A79}" type="datetimeFigureOut">
               <a:rPr lang="en-US" smtClean="0"/>
-              <a:t>5/7/2019</a:t>
+              <a:t>5/8/19</a:t>
             </a:fld>
             <a:endParaRPr lang="en-US"/>
           </a:p>
@@ -1352,10 +1346,9 @@
           <a:lstStyle/>
           <a:p>
             <a:r>
-              <a:rPr lang="en-US" smtClean="0"/>
+              <a:rPr lang="en-US"/>
               <a:t>Click to edit Master title style</a:t>
             </a:r>
-            <a:endParaRPr lang="en-US"/>
           </a:p>
         </p:txBody>
       </p:sp>
@@ -1418,7 +1411,7 @@
           <a:p>
             <a:pPr lvl="0"/>
             <a:r>
-              <a:rPr lang="en-US" smtClean="0"/>
+              <a:rPr lang="en-US"/>
               <a:t>Edit Master text styles</a:t>
             </a:r>
           </a:p>
@@ -1446,38 +1439,37 @@
           <a:p>
             <a:pPr lvl="0"/>
             <a:r>
-              <a:rPr lang="en-US" smtClean="0"/>
+              <a:rPr lang="en-US"/>
               <a:t>Edit Master text styles</a:t>
             </a:r>
           </a:p>
           <a:p>
             <a:pPr lvl="1"/>
             <a:r>
-              <a:rPr lang="en-US" smtClean="0"/>
+              <a:rPr lang="en-US"/>
               <a:t>Second level</a:t>
             </a:r>
           </a:p>
           <a:p>
             <a:pPr lvl="2"/>
             <a:r>
-              <a:rPr lang="en-US" smtClean="0"/>
+              <a:rPr lang="en-US"/>
               <a:t>Third level</a:t>
             </a:r>
           </a:p>
           <a:p>
             <a:pPr lvl="3"/>
             <a:r>
-              <a:rPr lang="en-US" smtClean="0"/>
+              <a:rPr lang="en-US"/>
               <a:t>Fourth level</a:t>
             </a:r>
           </a:p>
           <a:p>
             <a:pPr lvl="4"/>
             <a:r>
-              <a:rPr lang="en-US" smtClean="0"/>
+              <a:rPr lang="en-US"/>
               <a:t>Fifth level</a:t>
             </a:r>
-            <a:endParaRPr lang="en-US"/>
           </a:p>
         </p:txBody>
       </p:sp>
@@ -1540,7 +1532,7 @@
           <a:p>
             <a:pPr lvl="0"/>
             <a:r>
-              <a:rPr lang="en-US" smtClean="0"/>
+              <a:rPr lang="en-US"/>
               <a:t>Edit Master text styles</a:t>
             </a:r>
           </a:p>
@@ -1568,38 +1560,37 @@
           <a:p>
             <a:pPr lvl="0"/>
             <a:r>
-              <a:rPr lang="en-US" smtClean="0"/>
+              <a:rPr lang="en-US"/>
               <a:t>Edit Master text styles</a:t>
             </a:r>
           </a:p>
           <a:p>
             <a:pPr lvl="1"/>
             <a:r>
-              <a:rPr lang="en-US" smtClean="0"/>
+              <a:rPr lang="en-US"/>
               <a:t>Second level</a:t>
             </a:r>
           </a:p>
           <a:p>
             <a:pPr lvl="2"/>
             <a:r>
-              <a:rPr lang="en-US" smtClean="0"/>
+              <a:rPr lang="en-US"/>
               <a:t>Third level</a:t>
             </a:r>
           </a:p>
           <a:p>
             <a:pPr lvl="3"/>
             <a:r>
-              <a:rPr lang="en-US" smtClean="0"/>
+              <a:rPr lang="en-US"/>
               <a:t>Fourth level</a:t>
             </a:r>
           </a:p>
           <a:p>
             <a:pPr lvl="4"/>
             <a:r>
-              <a:rPr lang="en-US" smtClean="0"/>
+              <a:rPr lang="en-US"/>
               <a:t>Fifth level</a:t>
             </a:r>
-            <a:endParaRPr lang="en-US"/>
           </a:p>
         </p:txBody>
       </p:sp>
@@ -1620,7 +1611,7 @@
           <a:p>
             <a:fld id="{EA0B9F1C-9B4E-43D7-95D6-537E011A2A79}" type="datetimeFigureOut">
               <a:rPr lang="en-US" smtClean="0"/>
-              <a:t>5/7/2019</a:t>
+              <a:t>5/8/19</a:t>
             </a:fld>
             <a:endParaRPr lang="en-US"/>
           </a:p>
@@ -1714,10 +1705,9 @@
           <a:lstStyle/>
           <a:p>
             <a:r>
-              <a:rPr lang="en-US" smtClean="0"/>
+              <a:rPr lang="en-US"/>
               <a:t>Click to edit Master title style</a:t>
             </a:r>
-            <a:endParaRPr lang="en-US"/>
           </a:p>
         </p:txBody>
       </p:sp>
@@ -1738,7 +1728,7 @@
           <a:p>
             <a:fld id="{EA0B9F1C-9B4E-43D7-95D6-537E011A2A79}" type="datetimeFigureOut">
               <a:rPr lang="en-US" smtClean="0"/>
-              <a:t>5/7/2019</a:t>
+              <a:t>5/8/19</a:t>
             </a:fld>
             <a:endParaRPr lang="en-US"/>
           </a:p>
@@ -1833,7 +1823,7 @@
           <a:p>
             <a:fld id="{EA0B9F1C-9B4E-43D7-95D6-537E011A2A79}" type="datetimeFigureOut">
               <a:rPr lang="en-US" smtClean="0"/>
-              <a:t>5/7/2019</a:t>
+              <a:t>5/8/19</a:t>
             </a:fld>
             <a:endParaRPr lang="en-US"/>
           </a:p>
@@ -1936,10 +1926,9 @@
           </a:lstStyle>
           <a:p>
             <a:r>
-              <a:rPr lang="en-US" smtClean="0"/>
+              <a:rPr lang="en-US"/>
               <a:t>Click to edit Master title style</a:t>
             </a:r>
-            <a:endParaRPr lang="en-US"/>
           </a:p>
         </p:txBody>
       </p:sp>
@@ -1993,38 +1982,37 @@
           <a:p>
             <a:pPr lvl="0"/>
             <a:r>
-              <a:rPr lang="en-US" smtClean="0"/>
+              <a:rPr lang="en-US"/>
               <a:t>Edit Master text styles</a:t>
             </a:r>
           </a:p>
           <a:p>
             <a:pPr lvl="1"/>
             <a:r>
-              <a:rPr lang="en-US" smtClean="0"/>
+              <a:rPr lang="en-US"/>
               <a:t>Second level</a:t>
             </a:r>
           </a:p>
           <a:p>
             <a:pPr lvl="2"/>
             <a:r>
-              <a:rPr lang="en-US" smtClean="0"/>
+              <a:rPr lang="en-US"/>
               <a:t>Third level</a:t>
             </a:r>
           </a:p>
           <a:p>
             <a:pPr lvl="3"/>
             <a:r>
-              <a:rPr lang="en-US" smtClean="0"/>
+              <a:rPr lang="en-US"/>
               <a:t>Fourth level</a:t>
             </a:r>
           </a:p>
           <a:p>
             <a:pPr lvl="4"/>
             <a:r>
-              <a:rPr lang="en-US" smtClean="0"/>
+              <a:rPr lang="en-US"/>
               <a:t>Fifth level</a:t>
             </a:r>
-            <a:endParaRPr lang="en-US"/>
           </a:p>
         </p:txBody>
       </p:sp>
@@ -2087,7 +2075,7 @@
           <a:p>
             <a:pPr lvl="0"/>
             <a:r>
-              <a:rPr lang="en-US" smtClean="0"/>
+              <a:rPr lang="en-US"/>
               <a:t>Edit Master text styles</a:t>
             </a:r>
           </a:p>
@@ -2110,7 +2098,7 @@
           <a:p>
             <a:fld id="{EA0B9F1C-9B4E-43D7-95D6-537E011A2A79}" type="datetimeFigureOut">
               <a:rPr lang="en-US" smtClean="0"/>
-              <a:t>5/7/2019</a:t>
+              <a:t>5/8/19</a:t>
             </a:fld>
             <a:endParaRPr lang="en-US"/>
           </a:p>
@@ -2213,10 +2201,9 @@
           </a:lstStyle>
           <a:p>
             <a:r>
-              <a:rPr lang="en-US" smtClean="0"/>
+              <a:rPr lang="en-US"/>
               <a:t>Click to edit Master title style</a:t>
             </a:r>
-            <a:endParaRPr lang="en-US"/>
           </a:p>
         </p:txBody>
       </p:sp>
@@ -2340,7 +2327,7 @@
           <a:p>
             <a:pPr lvl="0"/>
             <a:r>
-              <a:rPr lang="en-US" smtClean="0"/>
+              <a:rPr lang="en-US"/>
               <a:t>Edit Master text styles</a:t>
             </a:r>
           </a:p>
@@ -2363,7 +2350,7 @@
           <a:p>
             <a:fld id="{EA0B9F1C-9B4E-43D7-95D6-537E011A2A79}" type="datetimeFigureOut">
               <a:rPr lang="en-US" smtClean="0"/>
-              <a:t>5/7/2019</a:t>
+              <a:t>5/8/19</a:t>
             </a:fld>
             <a:endParaRPr lang="en-US"/>
           </a:p>
@@ -2472,10 +2459,9 @@
           <a:lstStyle/>
           <a:p>
             <a:r>
-              <a:rPr lang="en-US" smtClean="0"/>
+              <a:rPr lang="en-US"/>
               <a:t>Click to edit Master title style</a:t>
             </a:r>
-            <a:endParaRPr lang="en-US"/>
           </a:p>
         </p:txBody>
       </p:sp>
@@ -2506,38 +2492,37 @@
           <a:p>
             <a:pPr lvl="0"/>
             <a:r>
-              <a:rPr lang="en-US" smtClean="0"/>
+              <a:rPr lang="en-US"/>
               <a:t>Edit Master text styles</a:t>
             </a:r>
           </a:p>
           <a:p>
             <a:pPr lvl="1"/>
             <a:r>
-              <a:rPr lang="en-US" smtClean="0"/>
+              <a:rPr lang="en-US"/>
               <a:t>Second level</a:t>
             </a:r>
           </a:p>
           <a:p>
             <a:pPr lvl="2"/>
             <a:r>
-              <a:rPr lang="en-US" smtClean="0"/>
+              <a:rPr lang="en-US"/>
               <a:t>Third level</a:t>
             </a:r>
           </a:p>
           <a:p>
             <a:pPr lvl="3"/>
             <a:r>
-              <a:rPr lang="en-US" smtClean="0"/>
+              <a:rPr lang="en-US"/>
               <a:t>Fourth level</a:t>
             </a:r>
           </a:p>
           <a:p>
             <a:pPr lvl="4"/>
             <a:r>
-              <a:rPr lang="en-US" smtClean="0"/>
+              <a:rPr lang="en-US"/>
               <a:t>Fifth level</a:t>
             </a:r>
-            <a:endParaRPr lang="en-US"/>
           </a:p>
         </p:txBody>
       </p:sp>
@@ -2576,7 +2561,7 @@
           <a:p>
             <a:fld id="{EA0B9F1C-9B4E-43D7-95D6-537E011A2A79}" type="datetimeFigureOut">
               <a:rPr lang="en-US" smtClean="0"/>
-              <a:t>5/7/2019</a:t>
+              <a:t>5/8/19</a:t>
             </a:fld>
             <a:endParaRPr lang="en-US"/>
           </a:p>
@@ -3004,16 +2989,12 @@
           <a:lstStyle/>
           <a:p>
             <a:r>
-              <a:rPr lang="en-US" dirty="0" smtClean="0">
+              <a:rPr lang="en-US" dirty="0">
                 <a:latin typeface="Times New Roman" panose="02020603050405020304" pitchFamily="18" charset="0"/>
                 <a:cs typeface="Times New Roman" panose="02020603050405020304" pitchFamily="18" charset="0"/>
               </a:rPr>
               <a:t>Only One Out of Five Archived Web Pages Existed as Presented</a:t>
             </a:r>
-            <a:endParaRPr lang="en-US" dirty="0">
-              <a:latin typeface="Times New Roman" panose="02020603050405020304" pitchFamily="18" charset="0"/>
-              <a:cs typeface="Times New Roman" panose="02020603050405020304" pitchFamily="18" charset="0"/>
-            </a:endParaRPr>
           </a:p>
         </p:txBody>
       </p:sp>
@@ -3040,7 +3021,7 @@
           <a:lstStyle/>
           <a:p>
             <a:r>
-              <a:rPr lang="en-US" sz="1200" dirty="0" smtClean="0">
+              <a:rPr lang="en-US" sz="1200" dirty="0">
                 <a:latin typeface="Times New Roman" panose="02020603050405020304" pitchFamily="18" charset="0"/>
                 <a:cs typeface="Times New Roman" panose="02020603050405020304" pitchFamily="18" charset="0"/>
               </a:rPr>
@@ -3049,7 +3030,7 @@
           </a:p>
           <a:p>
             <a:r>
-              <a:rPr lang="en-US" sz="1200" dirty="0" smtClean="0">
+              <a:rPr lang="en-US" sz="1200" dirty="0">
                 <a:latin typeface="Times New Roman" panose="02020603050405020304" pitchFamily="18" charset="0"/>
                 <a:cs typeface="Times New Roman" panose="02020603050405020304" pitchFamily="18" charset="0"/>
               </a:rPr>
@@ -3058,22 +3039,22 @@
           </a:p>
           <a:p>
             <a:r>
-              <a:rPr lang="en-US" sz="1200" dirty="0" smtClean="0">
-                <a:latin typeface="Times New Roman" panose="02020603050405020304" pitchFamily="18" charset="0"/>
-                <a:cs typeface="Times New Roman" panose="02020603050405020304" pitchFamily="18" charset="0"/>
-              </a:rPr>
-              <a:t>DOI&gt; </a:t>
-            </a:r>
-            <a:r>
-              <a:rPr lang="en-US" sz="1200" dirty="0" smtClean="0">
+              <a:rPr lang="en-US" sz="1200" dirty="0">
+                <a:latin typeface="Times New Roman" panose="02020603050405020304" pitchFamily="18" charset="0"/>
+                <a:cs typeface="Times New Roman" panose="02020603050405020304" pitchFamily="18" charset="0"/>
+              </a:rPr>
+              <a:t>DOI: </a:t>
+            </a:r>
+            <a:r>
+              <a:rPr lang="en-US" sz="1200" dirty="0">
                 <a:hlinkClick r:id="rId2"/>
               </a:rPr>
               <a:t>http://dx.doi.org/10.1145/2700171.2791044</a:t>
             </a:r>
-            <a:endParaRPr lang="en-US" sz="1200" dirty="0" smtClean="0"/>
-          </a:p>
-          <a:p>
-            <a:endParaRPr lang="en-US" sz="1200" dirty="0" smtClean="0"/>
+            <a:endParaRPr lang="en-US" sz="1200" dirty="0"/>
+          </a:p>
+          <a:p>
+            <a:endParaRPr lang="en-US" sz="1200" dirty="0"/>
           </a:p>
         </p:txBody>
       </p:sp>
@@ -3101,7 +3082,7 @@
           <a:p>
             <a:pPr algn="ctr"/>
             <a:r>
-              <a:rPr lang="en-US" dirty="0" smtClean="0">
+              <a:rPr lang="en-US" dirty="0">
                 <a:latin typeface="Times New Roman" panose="02020603050405020304" pitchFamily="18" charset="0"/>
                 <a:cs typeface="Times New Roman" panose="02020603050405020304" pitchFamily="18" charset="0"/>
               </a:rPr>
@@ -3111,7 +3092,7 @@
           <a:p>
             <a:pPr algn="ctr"/>
             <a:r>
-              <a:rPr lang="en" dirty="0" smtClean="0">
+              <a:rPr lang="en" dirty="0">
                 <a:latin typeface="Times New Roman" panose="02020603050405020304" pitchFamily="18" charset="0"/>
                 <a:cs typeface="Times New Roman" panose="02020603050405020304" pitchFamily="18" charset="0"/>
               </a:rPr>
@@ -3121,7 +3102,7 @@
           <a:p>
             <a:pPr algn="ctr"/>
             <a:r>
-              <a:rPr lang="en-US" dirty="0" smtClean="0">
+              <a:rPr lang="en-US" dirty="0">
                 <a:latin typeface="Times New Roman" panose="02020603050405020304" pitchFamily="18" charset="0"/>
                 <a:cs typeface="Times New Roman" panose="02020603050405020304" pitchFamily="18" charset="0"/>
               </a:rPr>
@@ -3131,30 +3112,22 @@
           <a:p>
             <a:pPr lvl="0" algn="ctr"/>
             <a:r>
-              <a:rPr lang="en" dirty="0" smtClean="0">
+              <a:rPr lang="en" dirty="0">
                 <a:latin typeface="Times New Roman" panose="02020603050405020304" pitchFamily="18" charset="0"/>
                 <a:cs typeface="Times New Roman" panose="02020603050405020304" pitchFamily="18" charset="0"/>
               </a:rPr>
               <a:t>2019-05-09</a:t>
             </a:r>
-            <a:endParaRPr lang="en" dirty="0">
-              <a:latin typeface="Times New Roman" panose="02020603050405020304" pitchFamily="18" charset="0"/>
-              <a:cs typeface="Times New Roman" panose="02020603050405020304" pitchFamily="18" charset="0"/>
-            </a:endParaRPr>
           </a:p>
           <a:p>
             <a:pPr algn="ctr"/>
             <a:r>
-              <a:rPr lang="en-US" dirty="0" smtClean="0">
+              <a:rPr lang="en-US" dirty="0">
                 <a:latin typeface="Times New Roman" panose="02020603050405020304" pitchFamily="18" charset="0"/>
                 <a:cs typeface="Times New Roman" panose="02020603050405020304" pitchFamily="18" charset="0"/>
               </a:rPr>
               <a:t>Old Dominion University</a:t>
             </a:r>
-            <a:endParaRPr lang="en-US" dirty="0">
-              <a:latin typeface="Times New Roman" panose="02020603050405020304" pitchFamily="18" charset="0"/>
-              <a:cs typeface="Times New Roman" panose="02020603050405020304" pitchFamily="18" charset="0"/>
-            </a:endParaRPr>
           </a:p>
         </p:txBody>
       </p:sp>
@@ -3168,13 +3141,6 @@
   <p:clrMapOvr>
     <a:masterClrMapping/>
   </p:clrMapOvr>
-  <p:timing>
-    <p:tnLst>
-      <p:par>
-        <p:cTn id="1" dur="indefinite" restart="never" nodeType="tmRoot"/>
-      </p:par>
-    </p:tnLst>
-  </p:timing>
 </p:sld>
 </file>
 
@@ -3212,16 +3178,12 @@
           <a:p>
             <a:pPr algn="ctr"/>
             <a:r>
-              <a:rPr lang="en-US" dirty="0" smtClean="0">
+              <a:rPr lang="en-US" dirty="0">
                 <a:latin typeface="Times New Roman" panose="02020603050405020304" pitchFamily="18" charset="0"/>
                 <a:cs typeface="Times New Roman" panose="02020603050405020304" pitchFamily="18" charset="0"/>
               </a:rPr>
               <a:t>Heuristics and Source Constraint</a:t>
             </a:r>
-            <a:endParaRPr lang="en-US" dirty="0">
-              <a:latin typeface="Times New Roman" panose="02020603050405020304" pitchFamily="18" charset="0"/>
-              <a:cs typeface="Times New Roman" panose="02020603050405020304" pitchFamily="18" charset="0"/>
-            </a:endParaRPr>
           </a:p>
         </p:txBody>
       </p:sp>
@@ -3244,20 +3206,16 @@
               <a:buNone/>
             </a:pPr>
             <a:r>
-              <a:rPr lang="en-US" dirty="0" smtClean="0">
+              <a:rPr lang="en-US" dirty="0">
                 <a:latin typeface="Times New Roman" panose="02020603050405020304" pitchFamily="18" charset="0"/>
                 <a:cs typeface="Times New Roman" panose="02020603050405020304" pitchFamily="18" charset="0"/>
               </a:rPr>
               <a:t>Heuristics:</a:t>
             </a:r>
-            <a:endParaRPr lang="en-US" dirty="0" smtClean="0">
-              <a:latin typeface="Times New Roman" panose="02020603050405020304" pitchFamily="18" charset="0"/>
-              <a:cs typeface="Times New Roman" panose="02020603050405020304" pitchFamily="18" charset="0"/>
-            </a:endParaRPr>
-          </a:p>
-          <a:p>
-            <a:r>
-              <a:rPr lang="en-US" dirty="0" smtClean="0">
+          </a:p>
+          <a:p>
+            <a:r>
+              <a:rPr lang="en-US" dirty="0">
                 <a:latin typeface="Times New Roman" panose="02020603050405020304" pitchFamily="18" charset="0"/>
                 <a:cs typeface="Times New Roman" panose="02020603050405020304" pitchFamily="18" charset="0"/>
               </a:rPr>
@@ -3266,21 +3224,21 @@
           </a:p>
           <a:p>
             <a:r>
-              <a:rPr lang="en-US" dirty="0" smtClean="0">
+              <a:rPr lang="en-US" dirty="0">
                 <a:latin typeface="Times New Roman" panose="02020603050405020304" pitchFamily="18" charset="0"/>
                 <a:cs typeface="Times New Roman" panose="02020603050405020304" pitchFamily="18" charset="0"/>
               </a:rPr>
               <a:t>Last-Modified/Memento-</a:t>
             </a:r>
             <a:r>
-              <a:rPr lang="en-US" dirty="0" err="1" smtClean="0">
+              <a:rPr lang="en-US" dirty="0" err="1">
                 <a:latin typeface="Times New Roman" panose="02020603050405020304" pitchFamily="18" charset="0"/>
                 <a:cs typeface="Times New Roman" panose="02020603050405020304" pitchFamily="18" charset="0"/>
               </a:rPr>
               <a:t>Datetime</a:t>
             </a:r>
             <a:r>
-              <a:rPr lang="en-US" dirty="0" smtClean="0">
+              <a:rPr lang="en-US" dirty="0">
                 <a:latin typeface="Times New Roman" panose="02020603050405020304" pitchFamily="18" charset="0"/>
                 <a:cs typeface="Times New Roman" panose="02020603050405020304" pitchFamily="18" charset="0"/>
               </a:rPr>
@@ -3301,7 +3259,7 @@
               <a:buNone/>
             </a:pPr>
             <a:r>
-              <a:rPr lang="en-US" dirty="0" smtClean="0">
+              <a:rPr lang="en-US" dirty="0">
                 <a:latin typeface="Times New Roman" panose="02020603050405020304" pitchFamily="18" charset="0"/>
                 <a:cs typeface="Times New Roman" panose="02020603050405020304" pitchFamily="18" charset="0"/>
               </a:rPr>
@@ -3310,7 +3268,7 @@
           </a:p>
           <a:p>
             <a:r>
-              <a:rPr lang="en-US" dirty="0" smtClean="0">
+              <a:rPr lang="en-US" dirty="0">
                 <a:latin typeface="Times New Roman" panose="02020603050405020304" pitchFamily="18" charset="0"/>
                 <a:cs typeface="Times New Roman" panose="02020603050405020304" pitchFamily="18" charset="0"/>
               </a:rPr>
@@ -3319,23 +3277,12 @@
           </a:p>
           <a:p>
             <a:r>
-              <a:rPr lang="en-US" dirty="0" smtClean="0">
-                <a:latin typeface="Times New Roman" panose="02020603050405020304" pitchFamily="18" charset="0"/>
-                <a:cs typeface="Times New Roman" panose="02020603050405020304" pitchFamily="18" charset="0"/>
-              </a:rPr>
-              <a:t>Multiple archives</a:t>
-            </a:r>
-            <a:r>
-              <a:rPr lang="en-US" dirty="0" smtClean="0">
-                <a:latin typeface="Times New Roman" panose="02020603050405020304" pitchFamily="18" charset="0"/>
-                <a:cs typeface="Times New Roman" panose="02020603050405020304" pitchFamily="18" charset="0"/>
-              </a:rPr>
-              <a:t> increases the chances for completeness</a:t>
-            </a:r>
-            <a:endParaRPr lang="en-US" dirty="0">
-              <a:latin typeface="Times New Roman" panose="02020603050405020304" pitchFamily="18" charset="0"/>
-              <a:cs typeface="Times New Roman" panose="02020603050405020304" pitchFamily="18" charset="0"/>
-            </a:endParaRPr>
+              <a:rPr lang="en-US" dirty="0">
+                <a:latin typeface="Times New Roman" panose="02020603050405020304" pitchFamily="18" charset="0"/>
+                <a:cs typeface="Times New Roman" panose="02020603050405020304" pitchFamily="18" charset="0"/>
+              </a:rPr>
+              <a:t>Multiple archives increases the chances for completeness</a:t>
+            </a:r>
           </a:p>
         </p:txBody>
       </p:sp>
@@ -3386,16 +3333,12 @@
           <a:p>
             <a:pPr algn="ctr"/>
             <a:r>
-              <a:rPr lang="en-US" dirty="0" smtClean="0">
+              <a:rPr lang="en-US" dirty="0">
                 <a:latin typeface="Times New Roman" panose="02020603050405020304" pitchFamily="18" charset="0"/>
                 <a:cs typeface="Times New Roman" panose="02020603050405020304" pitchFamily="18" charset="0"/>
               </a:rPr>
               <a:t>Data used</a:t>
             </a:r>
-            <a:endParaRPr lang="en-US" dirty="0">
-              <a:latin typeface="Times New Roman" panose="02020603050405020304" pitchFamily="18" charset="0"/>
-              <a:cs typeface="Times New Roman" panose="02020603050405020304" pitchFamily="18" charset="0"/>
-            </a:endParaRPr>
           </a:p>
         </p:txBody>
       </p:sp>
@@ -3415,40 +3358,25 @@
           <a:lstStyle/>
           <a:p>
             <a:r>
-              <a:rPr lang="en-US" dirty="0" smtClean="0">
-                <a:latin typeface="Times New Roman" panose="02020603050405020304" pitchFamily="18" charset="0"/>
-                <a:cs typeface="Times New Roman" panose="02020603050405020304" pitchFamily="18" charset="0"/>
-              </a:rPr>
-              <a:t>4 samples with 1000 URI-Rs </a:t>
-            </a:r>
-            <a:r>
-              <a:rPr lang="en-US" dirty="0" smtClean="0">
-                <a:latin typeface="Times New Roman" panose="02020603050405020304" pitchFamily="18" charset="0"/>
-                <a:cs typeface="Times New Roman" panose="02020603050405020304" pitchFamily="18" charset="0"/>
-              </a:rPr>
-              <a:t>selected randomly</a:t>
-            </a:r>
-            <a:endParaRPr lang="en-US" dirty="0" smtClean="0">
-              <a:latin typeface="Times New Roman" panose="02020603050405020304" pitchFamily="18" charset="0"/>
-              <a:cs typeface="Times New Roman" panose="02020603050405020304" pitchFamily="18" charset="0"/>
-            </a:endParaRPr>
-          </a:p>
-          <a:p>
-            <a:r>
-              <a:rPr lang="en-US" dirty="0" smtClean="0">
+              <a:rPr lang="en-US" dirty="0">
+                <a:latin typeface="Times New Roman" panose="02020603050405020304" pitchFamily="18" charset="0"/>
+                <a:cs typeface="Times New Roman" panose="02020603050405020304" pitchFamily="18" charset="0"/>
+              </a:rPr>
+              <a:t>4 samples with 1000 URI-Rs selected randomly</a:t>
+            </a:r>
+          </a:p>
+          <a:p>
+            <a:r>
+              <a:rPr lang="en-US" dirty="0">
                 <a:latin typeface="Times New Roman" panose="02020603050405020304" pitchFamily="18" charset="0"/>
                 <a:cs typeface="Times New Roman" panose="02020603050405020304" pitchFamily="18" charset="0"/>
               </a:rPr>
               <a:t>Sources - DMOZ, search engine, Bitly, and Delicious</a:t>
             </a:r>
-            <a:endParaRPr lang="en-US" dirty="0">
-              <a:latin typeface="Times New Roman" panose="02020603050405020304" pitchFamily="18" charset="0"/>
-              <a:cs typeface="Times New Roman" panose="02020603050405020304" pitchFamily="18" charset="0"/>
-            </a:endParaRPr>
-          </a:p>
-          <a:p>
-            <a:r>
-              <a:rPr lang="en-US" dirty="0" smtClean="0">
+          </a:p>
+          <a:p>
+            <a:r>
+              <a:rPr lang="en-US" dirty="0">
                 <a:latin typeface="Times New Roman" panose="02020603050405020304" pitchFamily="18" charset="0"/>
                 <a:cs typeface="Times New Roman" panose="02020603050405020304" pitchFamily="18" charset="0"/>
               </a:rPr>
@@ -3467,13 +3395,6 @@
   <p:clrMapOvr>
     <a:masterClrMapping/>
   </p:clrMapOvr>
-  <p:timing>
-    <p:tnLst>
-      <p:par>
-        <p:cTn id="1" dur="indefinite" restart="never" nodeType="tmRoot"/>
-      </p:par>
-    </p:tnLst>
-  </p:timing>
 </p:sld>
 </file>
 
@@ -3516,16 +3437,12 @@
           <a:p>
             <a:pPr algn="ctr"/>
             <a:r>
-              <a:rPr lang="en-US" dirty="0" smtClean="0">
+              <a:rPr lang="en-US" dirty="0">
                 <a:latin typeface="Times New Roman" panose="02020603050405020304" pitchFamily="18" charset="0"/>
                 <a:cs typeface="Times New Roman" panose="02020603050405020304" pitchFamily="18" charset="0"/>
               </a:rPr>
               <a:t>Procedure</a:t>
             </a:r>
-            <a:endParaRPr lang="en-US" dirty="0">
-              <a:latin typeface="Times New Roman" panose="02020603050405020304" pitchFamily="18" charset="0"/>
-              <a:cs typeface="Times New Roman" panose="02020603050405020304" pitchFamily="18" charset="0"/>
-            </a:endParaRPr>
           </a:p>
         </p:txBody>
       </p:sp>
@@ -3555,14 +3472,14 @@
               <a:buNone/>
             </a:pPr>
             <a:r>
-              <a:rPr lang="en-US" sz="2400" b="1" u="sng" dirty="0" smtClean="0">
+              <a:rPr lang="en-US" sz="2400" b="1" u="sng" dirty="0">
                 <a:latin typeface="Times New Roman" panose="02020603050405020304" pitchFamily="18" charset="0"/>
                 <a:cs typeface="Times New Roman" panose="02020603050405020304" pitchFamily="18" charset="0"/>
               </a:rPr>
               <a:t>Phase 1: </a:t>
             </a:r>
             <a:r>
-              <a:rPr lang="en-US" sz="2400" dirty="0" smtClean="0">
+              <a:rPr lang="en-US" sz="2400" dirty="0">
                 <a:latin typeface="Times New Roman" panose="02020603050405020304" pitchFamily="18" charset="0"/>
                 <a:cs typeface="Times New Roman" panose="02020603050405020304" pitchFamily="18" charset="0"/>
               </a:rPr>
@@ -3571,7 +3488,7 @@
           </a:p>
           <a:p>
             <a:r>
-              <a:rPr lang="en-US" sz="2400" dirty="0" smtClean="0">
+              <a:rPr lang="en-US" sz="2400" dirty="0">
                 <a:latin typeface="Times New Roman" panose="02020603050405020304" pitchFamily="18" charset="0"/>
                 <a:cs typeface="Times New Roman" panose="02020603050405020304" pitchFamily="18" charset="0"/>
               </a:rPr>
@@ -3580,7 +3497,7 @@
           </a:p>
           <a:p>
             <a:r>
-              <a:rPr lang="en-US" sz="2400" dirty="0" smtClean="0">
+              <a:rPr lang="en-US" sz="2400" dirty="0">
                 <a:latin typeface="Times New Roman" panose="02020603050405020304" pitchFamily="18" charset="0"/>
                 <a:cs typeface="Times New Roman" panose="02020603050405020304" pitchFamily="18" charset="0"/>
               </a:rPr>
@@ -3592,14 +3509,14 @@
               <a:buNone/>
             </a:pPr>
             <a:r>
-              <a:rPr lang="en-US" sz="2400" b="1" u="sng" dirty="0" smtClean="0">
+              <a:rPr lang="en-US" sz="2400" b="1" u="sng" dirty="0">
                 <a:latin typeface="Times New Roman" panose="02020603050405020304" pitchFamily="18" charset="0"/>
                 <a:cs typeface="Times New Roman" panose="02020603050405020304" pitchFamily="18" charset="0"/>
               </a:rPr>
               <a:t>Phase 2: </a:t>
             </a:r>
             <a:r>
-              <a:rPr lang="en-US" sz="2400" dirty="0" smtClean="0">
+              <a:rPr lang="en-US" sz="2400" dirty="0">
                 <a:latin typeface="Times New Roman" panose="02020603050405020304" pitchFamily="18" charset="0"/>
                 <a:cs typeface="Times New Roman" panose="02020603050405020304" pitchFamily="18" charset="0"/>
               </a:rPr>
@@ -3608,7 +3525,7 @@
           </a:p>
           <a:p>
             <a:r>
-              <a:rPr lang="en-US" sz="2400" dirty="0" smtClean="0">
+              <a:rPr lang="en-US" sz="2400" dirty="0">
                 <a:latin typeface="Times New Roman" panose="02020603050405020304" pitchFamily="18" charset="0"/>
                 <a:cs typeface="Times New Roman" panose="02020603050405020304" pitchFamily="18" charset="0"/>
               </a:rPr>
@@ -3617,7 +3534,7 @@
           </a:p>
           <a:p>
             <a:r>
-              <a:rPr lang="en-US" sz="2400" dirty="0" smtClean="0">
+              <a:rPr lang="en-US" sz="2400" dirty="0">
                 <a:latin typeface="Times New Roman" panose="02020603050405020304" pitchFamily="18" charset="0"/>
                 <a:cs typeface="Times New Roman" panose="02020603050405020304" pitchFamily="18" charset="0"/>
               </a:rPr>
@@ -3626,7 +3543,7 @@
           </a:p>
           <a:p>
             <a:r>
-              <a:rPr lang="en-US" sz="2400" dirty="0" smtClean="0">
+              <a:rPr lang="en-US" sz="2400" dirty="0">
                 <a:latin typeface="Times New Roman" panose="02020603050405020304" pitchFamily="18" charset="0"/>
                 <a:cs typeface="Times New Roman" panose="02020603050405020304" pitchFamily="18" charset="0"/>
               </a:rPr>
@@ -3635,7 +3552,7 @@
           </a:p>
           <a:p>
             <a:r>
-              <a:rPr lang="en-US" sz="2400" dirty="0" smtClean="0">
+              <a:rPr lang="en-US" sz="2400" dirty="0">
                 <a:latin typeface="Times New Roman" panose="02020603050405020304" pitchFamily="18" charset="0"/>
                 <a:cs typeface="Times New Roman" panose="02020603050405020304" pitchFamily="18" charset="0"/>
               </a:rPr>
@@ -3644,7 +3561,7 @@
           </a:p>
           <a:p>
             <a:r>
-              <a:rPr lang="en-US" sz="2400" dirty="0" smtClean="0">
+              <a:rPr lang="en-US" sz="2400" dirty="0">
                 <a:latin typeface="Times New Roman" panose="02020603050405020304" pitchFamily="18" charset="0"/>
                 <a:cs typeface="Times New Roman" panose="02020603050405020304" pitchFamily="18" charset="0"/>
               </a:rPr>
@@ -3656,7 +3573,7 @@
               <a:buNone/>
             </a:pPr>
             <a:r>
-              <a:rPr lang="en-US" sz="2400" b="1" u="sng" dirty="0" smtClean="0">
+              <a:rPr lang="en-US" sz="2400" b="1" u="sng" dirty="0">
                 <a:latin typeface="Times New Roman" panose="02020603050405020304" pitchFamily="18" charset="0"/>
                 <a:cs typeface="Times New Roman" panose="02020603050405020304" pitchFamily="18" charset="0"/>
               </a:rPr>
@@ -3675,13 +3592,6 @@
   <p:clrMapOvr>
     <a:masterClrMapping/>
   </p:clrMapOvr>
-  <p:timing>
-    <p:tnLst>
-      <p:par>
-        <p:cTn id="1" dur="indefinite" restart="never" nodeType="tmRoot"/>
-      </p:par>
-    </p:tnLst>
-  </p:timing>
 </p:sld>
 </file>
 
@@ -3726,16 +3636,12 @@
           <a:p>
             <a:pPr algn="ctr"/>
             <a:r>
-              <a:rPr lang="en-US" sz="5600" dirty="0" smtClean="0">
+              <a:rPr lang="en-US" sz="5600" dirty="0">
                 <a:latin typeface="Times New Roman" panose="02020603050405020304" pitchFamily="18" charset="0"/>
                 <a:cs typeface="Times New Roman" panose="02020603050405020304" pitchFamily="18" charset="0"/>
               </a:rPr>
               <a:t>Results</a:t>
             </a:r>
-            <a:endParaRPr lang="en-US" sz="5600" dirty="0">
-              <a:latin typeface="Times New Roman" panose="02020603050405020304" pitchFamily="18" charset="0"/>
-              <a:cs typeface="Times New Roman" panose="02020603050405020304" pitchFamily="18" charset="0"/>
-            </a:endParaRPr>
           </a:p>
         </p:txBody>
       </p:sp>
@@ -3791,16 +3697,12 @@
           <a:p>
             <a:pPr algn="ctr"/>
             <a:r>
-              <a:rPr lang="en-US" dirty="0" smtClean="0">
+              <a:rPr lang="en-US" dirty="0">
                 <a:latin typeface="Times New Roman" panose="02020603050405020304" pitchFamily="18" charset="0"/>
                 <a:cs typeface="Times New Roman" panose="02020603050405020304" pitchFamily="18" charset="0"/>
               </a:rPr>
               <a:t>Data statistics </a:t>
             </a:r>
-            <a:endParaRPr lang="en-US" dirty="0">
-              <a:latin typeface="Times New Roman" panose="02020603050405020304" pitchFamily="18" charset="0"/>
-              <a:cs typeface="Times New Roman" panose="02020603050405020304" pitchFamily="18" charset="0"/>
-            </a:endParaRPr>
           </a:p>
         </p:txBody>
       </p:sp>
@@ -3896,13 +3798,6 @@
   <p:clrMapOvr>
     <a:masterClrMapping/>
   </p:clrMapOvr>
-  <p:timing>
-    <p:tnLst>
-      <p:par>
-        <p:cTn id="1" dur="indefinite" restart="never" nodeType="tmRoot"/>
-      </p:par>
-    </p:tnLst>
-  </p:timing>
 </p:sld>
 </file>
 
@@ -3945,23 +3840,12 @@
           <a:p>
             <a:pPr algn="ctr"/>
             <a:r>
-              <a:rPr lang="en-US" dirty="0" smtClean="0">
-                <a:latin typeface="Times New Roman" panose="02020603050405020304" pitchFamily="18" charset="0"/>
-                <a:cs typeface="Times New Roman" panose="02020603050405020304" pitchFamily="18" charset="0"/>
-              </a:rPr>
-              <a:t>Completeness and </a:t>
-            </a:r>
-            <a:r>
-              <a:rPr lang="en-US" dirty="0" smtClean="0">
-                <a:latin typeface="Times New Roman" panose="02020603050405020304" pitchFamily="18" charset="0"/>
-                <a:cs typeface="Times New Roman" panose="02020603050405020304" pitchFamily="18" charset="0"/>
-              </a:rPr>
-              <a:t>Temporal Coherence</a:t>
-            </a:r>
-            <a:endParaRPr lang="en-US" dirty="0">
-              <a:latin typeface="Times New Roman" panose="02020603050405020304" pitchFamily="18" charset="0"/>
-              <a:cs typeface="Times New Roman" panose="02020603050405020304" pitchFamily="18" charset="0"/>
-            </a:endParaRPr>
+              <a:rPr lang="en-US" dirty="0">
+                <a:latin typeface="Times New Roman" panose="02020603050405020304" pitchFamily="18" charset="0"/>
+                <a:cs typeface="Times New Roman" panose="02020603050405020304" pitchFamily="18" charset="0"/>
+              </a:rPr>
+              <a:t>Completeness and Temporal Coherence</a:t>
+            </a:r>
           </a:p>
         </p:txBody>
       </p:sp>
@@ -3989,7 +3873,7 @@
               <a:buNone/>
             </a:pPr>
             <a:r>
-              <a:rPr lang="en-US" u="sng" dirty="0" smtClean="0">
+              <a:rPr lang="en-US" u="sng" dirty="0">
                 <a:latin typeface="Times New Roman" panose="02020603050405020304" pitchFamily="18" charset="0"/>
                 <a:cs typeface="Times New Roman" panose="02020603050405020304" pitchFamily="18" charset="0"/>
               </a:rPr>
@@ -3998,7 +3882,7 @@
           </a:p>
           <a:p>
             <a:r>
-              <a:rPr lang="en-US" dirty="0" smtClean="0">
+              <a:rPr lang="en-US" dirty="0">
                 <a:latin typeface="Times New Roman" panose="02020603050405020304" pitchFamily="18" charset="0"/>
                 <a:cs typeface="Times New Roman" panose="02020603050405020304" pitchFamily="18" charset="0"/>
               </a:rPr>
@@ -4011,7 +3895,7 @@
           </a:p>
           <a:p>
             <a:r>
-              <a:rPr lang="en-US" dirty="0" smtClean="0">
+              <a:rPr lang="en-US" dirty="0">
                 <a:latin typeface="Times New Roman" panose="02020603050405020304" pitchFamily="18" charset="0"/>
                 <a:cs typeface="Times New Roman" panose="02020603050405020304" pitchFamily="18" charset="0"/>
               </a:rPr>
@@ -4023,122 +3907,72 @@
               <a:buNone/>
             </a:pPr>
             <a:r>
-              <a:rPr lang="en-US" u="sng" dirty="0" smtClean="0">
+              <a:rPr lang="en-US" u="sng" dirty="0">
                 <a:latin typeface="Times New Roman" panose="02020603050405020304" pitchFamily="18" charset="0"/>
                 <a:cs typeface="Times New Roman" panose="02020603050405020304" pitchFamily="18" charset="0"/>
               </a:rPr>
               <a:t>Temporal Coherence</a:t>
             </a:r>
-            <a:endParaRPr lang="en-US" u="sng" dirty="0" smtClean="0">
+          </a:p>
+          <a:p>
+            <a:pPr marL="0" indent="0">
+              <a:buNone/>
+            </a:pPr>
+            <a:r>
+              <a:rPr lang="en-US" dirty="0">
+                <a:latin typeface="Times New Roman" panose="02020603050405020304" pitchFamily="18" charset="0"/>
+                <a:cs typeface="Times New Roman" panose="02020603050405020304" pitchFamily="18" charset="0"/>
+              </a:rPr>
+              <a:t>Effect of multiple archives : </a:t>
+            </a:r>
+          </a:p>
+          <a:p>
+            <a:r>
+              <a:rPr lang="en-US" dirty="0">
+                <a:latin typeface="Times New Roman" panose="02020603050405020304" pitchFamily="18" charset="0"/>
+                <a:cs typeface="Times New Roman" panose="02020603050405020304" pitchFamily="18" charset="0"/>
+              </a:rPr>
+              <a:t>0.1% increase in temporal coherence</a:t>
+            </a:r>
+          </a:p>
+          <a:p>
+            <a:r>
+              <a:rPr lang="en-US" dirty="0">
+                <a:latin typeface="Times New Roman" panose="02020603050405020304" pitchFamily="18" charset="0"/>
+                <a:cs typeface="Times New Roman" panose="02020603050405020304" pitchFamily="18" charset="0"/>
+              </a:rPr>
+              <a:t>Reduced Prima Facie Coherence (only Internet archive returns last modified for eURI-Ms)</a:t>
+            </a:r>
+          </a:p>
+          <a:p>
+            <a:r>
+              <a:rPr lang="en-US" dirty="0">
+                <a:latin typeface="Times New Roman" panose="02020603050405020304" pitchFamily="18" charset="0"/>
+                <a:cs typeface="Times New Roman" panose="02020603050405020304" pitchFamily="18" charset="0"/>
+              </a:rPr>
+              <a:t>Increases Possibly Coherent mean by 4.1% and Probably Violative counts by 2.8% (increased number of eURI-Ms without last modified)</a:t>
+            </a:r>
+          </a:p>
+          <a:p>
+            <a:endParaRPr lang="en-US" dirty="0">
               <a:latin typeface="Times New Roman" panose="02020603050405020304" pitchFamily="18" charset="0"/>
               <a:cs typeface="Times New Roman" panose="02020603050405020304" pitchFamily="18" charset="0"/>
             </a:endParaRPr>
           </a:p>
           <a:p>
-            <a:pPr marL="0" indent="0">
-              <a:buNone/>
-            </a:pPr>
-            <a:r>
-              <a:rPr lang="en-US" dirty="0" smtClean="0">
-                <a:latin typeface="Times New Roman" panose="02020603050405020304" pitchFamily="18" charset="0"/>
-                <a:cs typeface="Times New Roman" panose="02020603050405020304" pitchFamily="18" charset="0"/>
-              </a:rPr>
-              <a:t>Effect of multiple archives : </a:t>
-            </a:r>
-          </a:p>
-          <a:p>
-            <a:r>
-              <a:rPr lang="en-US" dirty="0" smtClean="0">
-                <a:latin typeface="Times New Roman" panose="02020603050405020304" pitchFamily="18" charset="0"/>
-                <a:cs typeface="Times New Roman" panose="02020603050405020304" pitchFamily="18" charset="0"/>
-              </a:rPr>
-              <a:t>0.1% increase in </a:t>
-            </a:r>
-            <a:r>
-              <a:rPr lang="en-US" dirty="0">
-                <a:latin typeface="Times New Roman" panose="02020603050405020304" pitchFamily="18" charset="0"/>
-                <a:cs typeface="Times New Roman" panose="02020603050405020304" pitchFamily="18" charset="0"/>
-              </a:rPr>
-              <a:t>t</a:t>
-            </a:r>
-            <a:r>
-              <a:rPr lang="en-US" dirty="0" smtClean="0">
-                <a:latin typeface="Times New Roman" panose="02020603050405020304" pitchFamily="18" charset="0"/>
-                <a:cs typeface="Times New Roman" panose="02020603050405020304" pitchFamily="18" charset="0"/>
-              </a:rPr>
-              <a:t>emporal coherence</a:t>
-            </a:r>
-            <a:endParaRPr lang="en-US" dirty="0" smtClean="0">
+            <a:endParaRPr lang="en-US" dirty="0">
               <a:latin typeface="Times New Roman" panose="02020603050405020304" pitchFamily="18" charset="0"/>
               <a:cs typeface="Times New Roman" panose="02020603050405020304" pitchFamily="18" charset="0"/>
             </a:endParaRPr>
           </a:p>
           <a:p>
-            <a:r>
-              <a:rPr lang="en-US" dirty="0" smtClean="0">
-                <a:latin typeface="Times New Roman" panose="02020603050405020304" pitchFamily="18" charset="0"/>
-                <a:cs typeface="Times New Roman" panose="02020603050405020304" pitchFamily="18" charset="0"/>
-              </a:rPr>
-              <a:t>Reduced Prima Facie Coherence (only Internet archive returns last modified for eURI-</a:t>
-            </a:r>
-            <a:r>
-              <a:rPr lang="en-US" dirty="0" err="1" smtClean="0">
-                <a:latin typeface="Times New Roman" panose="02020603050405020304" pitchFamily="18" charset="0"/>
-                <a:cs typeface="Times New Roman" panose="02020603050405020304" pitchFamily="18" charset="0"/>
-              </a:rPr>
-              <a:t>Ms</a:t>
-            </a:r>
-            <a:r>
-              <a:rPr lang="en-US" dirty="0" smtClean="0">
-                <a:latin typeface="Times New Roman" panose="02020603050405020304" pitchFamily="18" charset="0"/>
-                <a:cs typeface="Times New Roman" panose="02020603050405020304" pitchFamily="18" charset="0"/>
-              </a:rPr>
-              <a:t>)</a:t>
-            </a:r>
-          </a:p>
-          <a:p>
-            <a:r>
-              <a:rPr lang="en-US" dirty="0" smtClean="0">
-                <a:latin typeface="Times New Roman" panose="02020603050405020304" pitchFamily="18" charset="0"/>
-                <a:cs typeface="Times New Roman" panose="02020603050405020304" pitchFamily="18" charset="0"/>
-              </a:rPr>
-              <a:t>Increases Possibly Coherent mean by 4.1% and Probably Violative counts by 2.8% (increased number of eURI-</a:t>
-            </a:r>
-            <a:r>
-              <a:rPr lang="en-US" dirty="0" err="1" smtClean="0">
-                <a:latin typeface="Times New Roman" panose="02020603050405020304" pitchFamily="18" charset="0"/>
-                <a:cs typeface="Times New Roman" panose="02020603050405020304" pitchFamily="18" charset="0"/>
-              </a:rPr>
-              <a:t>Ms</a:t>
-            </a:r>
-            <a:r>
-              <a:rPr lang="en-US" dirty="0" smtClean="0">
-                <a:latin typeface="Times New Roman" panose="02020603050405020304" pitchFamily="18" charset="0"/>
-                <a:cs typeface="Times New Roman" panose="02020603050405020304" pitchFamily="18" charset="0"/>
-              </a:rPr>
-              <a:t> without last modified)</a:t>
-            </a:r>
-          </a:p>
-          <a:p>
-            <a:endParaRPr lang="en-US" dirty="0" smtClean="0">
+            <a:endParaRPr lang="en-US" dirty="0">
               <a:latin typeface="Times New Roman" panose="02020603050405020304" pitchFamily="18" charset="0"/>
               <a:cs typeface="Times New Roman" panose="02020603050405020304" pitchFamily="18" charset="0"/>
             </a:endParaRPr>
           </a:p>
           <a:p>
-            <a:endParaRPr lang="en-US" dirty="0" smtClean="0">
-              <a:latin typeface="Times New Roman" panose="02020603050405020304" pitchFamily="18" charset="0"/>
-              <a:cs typeface="Times New Roman" panose="02020603050405020304" pitchFamily="18" charset="0"/>
-            </a:endParaRPr>
-          </a:p>
-          <a:p>
-            <a:endParaRPr lang="en-US" dirty="0" smtClean="0">
-              <a:latin typeface="Times New Roman" panose="02020603050405020304" pitchFamily="18" charset="0"/>
-              <a:cs typeface="Times New Roman" panose="02020603050405020304" pitchFamily="18" charset="0"/>
-            </a:endParaRPr>
-          </a:p>
-          <a:p>
-            <a:endParaRPr lang="en-US" dirty="0" smtClean="0">
+            <a:endParaRPr lang="en-US" dirty="0">
               <a:latin typeface="Times New Roman" panose="02020603050405020304" pitchFamily="18" charset="0"/>
               <a:cs typeface="Times New Roman" panose="02020603050405020304" pitchFamily="18" charset="0"/>
             </a:endParaRPr>
@@ -4161,13 +3995,6 @@
   <p:clrMapOvr>
     <a:masterClrMapping/>
   </p:clrMapOvr>
-  <p:timing>
-    <p:tnLst>
-      <p:par>
-        <p:cTn id="1" dur="indefinite" restart="never" nodeType="tmRoot"/>
-      </p:par>
-    </p:tnLst>
-  </p:timing>
 </p:sld>
 </file>
 
@@ -4205,55 +4032,51 @@
           <a:p>
             <a:pPr algn="ctr"/>
             <a:r>
-              <a:rPr lang="en-US" dirty="0" smtClean="0">
+              <a:rPr lang="en-US" dirty="0">
                 <a:latin typeface="Times New Roman" panose="02020603050405020304" pitchFamily="18" charset="0"/>
                 <a:cs typeface="Times New Roman" panose="02020603050405020304" pitchFamily="18" charset="0"/>
               </a:rPr>
               <a:t>Heuristic and Temporal Coherence</a:t>
             </a:r>
-            <a:endParaRPr lang="en-US" dirty="0">
+          </a:p>
+        </p:txBody>
+      </p:sp>
+      <p:sp>
+        <p:nvSpPr>
+          <p:cNvPr id="3" name="Content Placeholder 2"/>
+          <p:cNvSpPr>
+            <a:spLocks noGrp="1"/>
+          </p:cNvSpPr>
+          <p:nvPr>
+            <p:ph idx="1"/>
+          </p:nvPr>
+        </p:nvSpPr>
+        <p:spPr/>
+        <p:txBody>
+          <a:bodyPr/>
+          <a:lstStyle/>
+          <a:p>
+            <a:pPr marL="0" indent="0">
+              <a:buNone/>
+            </a:pPr>
+            <a:r>
+              <a:rPr lang="en-US" dirty="0">
+                <a:latin typeface="Times New Roman" panose="02020603050405020304" pitchFamily="18" charset="0"/>
+                <a:cs typeface="Times New Roman" panose="02020603050405020304" pitchFamily="18" charset="0"/>
+              </a:rPr>
+              <a:t>Mindist is generally used while archiving.</a:t>
+            </a:r>
+            <a:endParaRPr lang="en-US" u="sng" dirty="0">
               <a:latin typeface="Times New Roman" panose="02020603050405020304" pitchFamily="18" charset="0"/>
               <a:cs typeface="Times New Roman" panose="02020603050405020304" pitchFamily="18" charset="0"/>
             </a:endParaRPr>
           </a:p>
-        </p:txBody>
-      </p:sp>
-      <p:sp>
-        <p:nvSpPr>
-          <p:cNvPr id="3" name="Content Placeholder 2"/>
-          <p:cNvSpPr>
-            <a:spLocks noGrp="1"/>
-          </p:cNvSpPr>
-          <p:nvPr>
-            <p:ph idx="1"/>
-          </p:nvPr>
-        </p:nvSpPr>
-        <p:spPr/>
-        <p:txBody>
-          <a:bodyPr/>
-          <a:lstStyle/>
           <a:p>
             <a:pPr marL="0" indent="0">
               <a:buNone/>
             </a:pPr>
             <a:r>
-              <a:rPr lang="en-US" dirty="0" smtClean="0">
-                <a:latin typeface="Times New Roman" panose="02020603050405020304" pitchFamily="18" charset="0"/>
-                <a:cs typeface="Times New Roman" panose="02020603050405020304" pitchFamily="18" charset="0"/>
-              </a:rPr>
-              <a:t>Mindist is generally used while archiving.</a:t>
-            </a:r>
-            <a:endParaRPr lang="en-US" u="sng" dirty="0" smtClean="0">
-              <a:latin typeface="Times New Roman" panose="02020603050405020304" pitchFamily="18" charset="0"/>
-              <a:cs typeface="Times New Roman" panose="02020603050405020304" pitchFamily="18" charset="0"/>
-            </a:endParaRPr>
-          </a:p>
-          <a:p>
-            <a:pPr marL="0" indent="0">
-              <a:buNone/>
-            </a:pPr>
-            <a:r>
-              <a:rPr lang="en-US" u="sng" dirty="0" smtClean="0">
+              <a:rPr lang="en-US" u="sng" dirty="0">
                 <a:latin typeface="Times New Roman" panose="02020603050405020304" pitchFamily="18" charset="0"/>
                 <a:cs typeface="Times New Roman" panose="02020603050405020304" pitchFamily="18" charset="0"/>
               </a:rPr>
@@ -4266,85 +4089,29 @@
                 <a:latin typeface="Times New Roman" panose="02020603050405020304" pitchFamily="18" charset="0"/>
                 <a:cs typeface="Times New Roman" panose="02020603050405020304" pitchFamily="18" charset="0"/>
               </a:rPr>
-              <a:t>I</a:t>
-            </a:r>
-            <a:r>
-              <a:rPr lang="en-US" dirty="0" smtClean="0">
-                <a:latin typeface="Times New Roman" panose="02020603050405020304" pitchFamily="18" charset="0"/>
-                <a:cs typeface="Times New Roman" panose="02020603050405020304" pitchFamily="18" charset="0"/>
-              </a:rPr>
-              <a:t>ncreased Prima Facie Coherent eURI-</a:t>
-            </a:r>
-            <a:r>
-              <a:rPr lang="en-US" dirty="0" err="1" smtClean="0">
-                <a:latin typeface="Times New Roman" panose="02020603050405020304" pitchFamily="18" charset="0"/>
-                <a:cs typeface="Times New Roman" panose="02020603050405020304" pitchFamily="18" charset="0"/>
-              </a:rPr>
-              <a:t>Ms</a:t>
-            </a:r>
-            <a:r>
-              <a:rPr lang="en-US" dirty="0" smtClean="0">
-                <a:latin typeface="Times New Roman" panose="02020603050405020304" pitchFamily="18" charset="0"/>
-                <a:cs typeface="Times New Roman" panose="02020603050405020304" pitchFamily="18" charset="0"/>
-              </a:rPr>
-              <a:t> by 13.7%</a:t>
-            </a:r>
-          </a:p>
-          <a:p>
-            <a:r>
-              <a:rPr lang="en-US" dirty="0" smtClean="0">
-                <a:latin typeface="Times New Roman" panose="02020603050405020304" pitchFamily="18" charset="0"/>
-                <a:cs typeface="Times New Roman" panose="02020603050405020304" pitchFamily="18" charset="0"/>
-              </a:rPr>
-              <a:t>Decreased</a:t>
-            </a:r>
-            <a:r>
-              <a:rPr lang="en-US" dirty="0">
-                <a:latin typeface="Times New Roman" panose="02020603050405020304" pitchFamily="18" charset="0"/>
-                <a:cs typeface="Times New Roman" panose="02020603050405020304" pitchFamily="18" charset="0"/>
-              </a:rPr>
-              <a:t> </a:t>
-            </a:r>
-            <a:r>
-              <a:rPr lang="en-US" dirty="0" smtClean="0">
-                <a:latin typeface="Times New Roman" panose="02020603050405020304" pitchFamily="18" charset="0"/>
-                <a:cs typeface="Times New Roman" panose="02020603050405020304" pitchFamily="18" charset="0"/>
-              </a:rPr>
-              <a:t>Possibly Coherent eURI-</a:t>
-            </a:r>
-            <a:r>
-              <a:rPr lang="en-US" dirty="0" err="1" smtClean="0">
-                <a:latin typeface="Times New Roman" panose="02020603050405020304" pitchFamily="18" charset="0"/>
-                <a:cs typeface="Times New Roman" panose="02020603050405020304" pitchFamily="18" charset="0"/>
-              </a:rPr>
-              <a:t>Ms</a:t>
-            </a:r>
-            <a:r>
-              <a:rPr lang="en-US" dirty="0" smtClean="0">
-                <a:latin typeface="Times New Roman" panose="02020603050405020304" pitchFamily="18" charset="0"/>
-                <a:cs typeface="Times New Roman" panose="02020603050405020304" pitchFamily="18" charset="0"/>
-              </a:rPr>
-              <a:t> by 14.5%</a:t>
-            </a:r>
-          </a:p>
-          <a:p>
-            <a:r>
-              <a:rPr lang="en-US" dirty="0" smtClean="0">
-                <a:latin typeface="Times New Roman" panose="02020603050405020304" pitchFamily="18" charset="0"/>
-                <a:cs typeface="Times New Roman" panose="02020603050405020304" pitchFamily="18" charset="0"/>
-              </a:rPr>
-              <a:t>Decreased </a:t>
-            </a:r>
-            <a:r>
-              <a:rPr lang="en-US" dirty="0" smtClean="0">
-                <a:latin typeface="Times New Roman" panose="02020603050405020304" pitchFamily="18" charset="0"/>
-                <a:cs typeface="Times New Roman" panose="02020603050405020304" pitchFamily="18" charset="0"/>
-              </a:rPr>
-              <a:t>Prima Facie Violatives eURIMs by 0.9%</a:t>
-            </a:r>
-          </a:p>
-          <a:p>
-            <a:endParaRPr lang="en-US" u="sng" dirty="0" smtClean="0">
+              <a:t>Increased Prima Facie Coherent eURI-Ms by 13.7%</a:t>
+            </a:r>
+          </a:p>
+          <a:p>
+            <a:r>
+              <a:rPr lang="en-US" dirty="0">
+                <a:latin typeface="Times New Roman" panose="02020603050405020304" pitchFamily="18" charset="0"/>
+                <a:cs typeface="Times New Roman" panose="02020603050405020304" pitchFamily="18" charset="0"/>
+              </a:rPr>
+              <a:t>Decreased Possibly Coherent eURI-Ms by 14.5%</a:t>
+            </a:r>
+          </a:p>
+          <a:p>
+            <a:r>
+              <a:rPr lang="en-US" dirty="0">
+                <a:latin typeface="Times New Roman" panose="02020603050405020304" pitchFamily="18" charset="0"/>
+                <a:cs typeface="Times New Roman" panose="02020603050405020304" pitchFamily="18" charset="0"/>
+              </a:rPr>
+              <a:t>Decreased Prima Facie Violatives eURIMs by 0.9%</a:t>
+            </a:r>
+          </a:p>
+          <a:p>
+            <a:endParaRPr lang="en-US" u="sng" dirty="0">
               <a:latin typeface="Times New Roman" panose="02020603050405020304" pitchFamily="18" charset="0"/>
               <a:cs typeface="Times New Roman" panose="02020603050405020304" pitchFamily="18" charset="0"/>
             </a:endParaRPr>
@@ -4367,13 +4134,6 @@
   <p:clrMapOvr>
     <a:masterClrMapping/>
   </p:clrMapOvr>
-  <p:timing>
-    <p:tnLst>
-      <p:par>
-        <p:cTn id="1" dur="indefinite" restart="never" nodeType="tmRoot"/>
-      </p:par>
-    </p:tnLst>
-  </p:timing>
 </p:sld>
 </file>
 
@@ -4411,16 +4171,12 @@
           <a:p>
             <a:pPr algn="ctr"/>
             <a:r>
-              <a:rPr lang="en-US" dirty="0" smtClean="0">
+              <a:rPr lang="en-US" dirty="0">
                 <a:latin typeface="Times New Roman" panose="02020603050405020304" pitchFamily="18" charset="0"/>
                 <a:cs typeface="Times New Roman" panose="02020603050405020304" pitchFamily="18" charset="0"/>
               </a:rPr>
               <a:t>Composite Memento Coherence</a:t>
             </a:r>
-            <a:endParaRPr lang="en-US" dirty="0">
-              <a:latin typeface="Times New Roman" panose="02020603050405020304" pitchFamily="18" charset="0"/>
-              <a:cs typeface="Times New Roman" panose="02020603050405020304" pitchFamily="18" charset="0"/>
-            </a:endParaRPr>
           </a:p>
         </p:txBody>
       </p:sp>
@@ -4493,7 +4249,7 @@
               <a:buChar char="•"/>
             </a:pPr>
             <a:r>
-              <a:rPr lang="en-US" dirty="0" smtClean="0">
+              <a:rPr lang="en-US" dirty="0">
                 <a:latin typeface="Times New Roman" panose="02020603050405020304" pitchFamily="18" charset="0"/>
                 <a:cs typeface="Times New Roman" panose="02020603050405020304" pitchFamily="18" charset="0"/>
               </a:rPr>
@@ -4506,7 +4262,7 @@
               <a:buChar char="•"/>
             </a:pPr>
             <a:r>
-              <a:rPr lang="en-US" dirty="0" smtClean="0">
+              <a:rPr lang="en-US" dirty="0">
                 <a:latin typeface="Times New Roman" panose="02020603050405020304" pitchFamily="18" charset="0"/>
                 <a:cs typeface="Times New Roman" panose="02020603050405020304" pitchFamily="18" charset="0"/>
               </a:rPr>
@@ -4519,7 +4275,7 @@
               <a:buChar char="•"/>
             </a:pPr>
             <a:r>
-              <a:rPr lang="en-US" b="1" dirty="0" smtClean="0">
+              <a:rPr lang="en-US" b="1" dirty="0">
                 <a:latin typeface="Times New Roman" panose="02020603050405020304" pitchFamily="18" charset="0"/>
                 <a:cs typeface="Times New Roman" panose="02020603050405020304" pitchFamily="18" charset="0"/>
               </a:rPr>
@@ -4588,13 +4344,6 @@
   <p:clrMapOvr>
     <a:masterClrMapping/>
   </p:clrMapOvr>
-  <p:timing>
-    <p:tnLst>
-      <p:par>
-        <p:cTn id="1" dur="indefinite" restart="never" nodeType="tmRoot"/>
-      </p:par>
-    </p:tnLst>
-  </p:timing>
 </p:sld>
 </file>
 
@@ -4617,6 +4366,117 @@
       </p:grpSpPr>
       <p:sp>
         <p:nvSpPr>
+          <p:cNvPr id="2" name="Title 1">
+            <a:extLst>
+              <a:ext uri="{FF2B5EF4-FFF2-40B4-BE49-F238E27FC236}">
+                <a16:creationId xmlns:a16="http://schemas.microsoft.com/office/drawing/2014/main" id="{AE2AF5B5-4770-B54B-8D76-528DC3845310}"/>
+              </a:ext>
+            </a:extLst>
+          </p:cNvPr>
+          <p:cNvSpPr>
+            <a:spLocks noGrp="1"/>
+          </p:cNvSpPr>
+          <p:nvPr>
+            <p:ph type="title"/>
+          </p:nvPr>
+        </p:nvSpPr>
+        <p:spPr/>
+        <p:txBody>
+          <a:bodyPr/>
+          <a:lstStyle/>
+          <a:p>
+            <a:pPr algn="ctr"/>
+            <a:r>
+              <a:rPr lang="en-US" dirty="0">
+                <a:latin typeface="Times New Roman" panose="02020603050405020304" pitchFamily="18" charset="0"/>
+                <a:cs typeface="Times New Roman" panose="02020603050405020304" pitchFamily="18" charset="0"/>
+              </a:rPr>
+              <a:t>Future Work</a:t>
+            </a:r>
+          </a:p>
+        </p:txBody>
+      </p:sp>
+      <p:sp>
+        <p:nvSpPr>
+          <p:cNvPr id="3" name="Content Placeholder 2">
+            <a:extLst>
+              <a:ext uri="{FF2B5EF4-FFF2-40B4-BE49-F238E27FC236}">
+                <a16:creationId xmlns:a16="http://schemas.microsoft.com/office/drawing/2014/main" id="{BA308489-0A73-6A4C-9E01-5660B4444446}"/>
+              </a:ext>
+            </a:extLst>
+          </p:cNvPr>
+          <p:cNvSpPr>
+            <a:spLocks noGrp="1"/>
+          </p:cNvSpPr>
+          <p:nvPr>
+            <p:ph idx="1"/>
+          </p:nvPr>
+        </p:nvSpPr>
+        <p:spPr/>
+        <p:txBody>
+          <a:bodyPr/>
+          <a:lstStyle/>
+          <a:p>
+            <a:r>
+              <a:rPr lang="en-US" dirty="0">
+                <a:latin typeface="Times New Roman" panose="02020603050405020304" pitchFamily="18" charset="0"/>
+                <a:cs typeface="Times New Roman" panose="02020603050405020304" pitchFamily="18" charset="0"/>
+              </a:rPr>
+              <a:t>Redirection and missing mementos – a heuristic to find a reasonable alternate of a missing URI-M</a:t>
+            </a:r>
+          </a:p>
+          <a:p>
+            <a:r>
+              <a:rPr lang="en-US" dirty="0">
+                <a:latin typeface="Times New Roman" panose="02020603050405020304" pitchFamily="18" charset="0"/>
+                <a:cs typeface="Times New Roman" panose="02020603050405020304" pitchFamily="18" charset="0"/>
+              </a:rPr>
+              <a:t>Duplicates and similarities –  minor changes that do not affect the user like banners affect machines. Methods to identify this would help in categorizing eURI-Ms into Prima Facie or Possibly Coherent resulting in increased temporal coherence </a:t>
+            </a:r>
+          </a:p>
+          <a:p>
+            <a:r>
+              <a:rPr lang="en-US" dirty="0">
+                <a:latin typeface="Times New Roman" panose="02020603050405020304" pitchFamily="18" charset="0"/>
+                <a:cs typeface="Times New Roman" panose="02020603050405020304" pitchFamily="18" charset="0"/>
+              </a:rPr>
+              <a:t>Communicating skills – Indicating the coherent status of memento to the user</a:t>
+            </a:r>
+          </a:p>
+        </p:txBody>
+      </p:sp>
+    </p:spTree>
+    <p:extLst>
+      <p:ext uri="{BB962C8B-B14F-4D97-AF65-F5344CB8AC3E}">
+        <p14:creationId xmlns:p14="http://schemas.microsoft.com/office/powerpoint/2010/main" val="3037954382"/>
+      </p:ext>
+    </p:extLst>
+  </p:cSld>
+  <p:clrMapOvr>
+    <a:masterClrMapping/>
+  </p:clrMapOvr>
+</p:sld>
+</file>
+
+<file path=ppt/slides/slide19.xml><?xml version="1.0" encoding="utf-8"?>
+<p:sld xmlns:a="http://schemas.openxmlformats.org/drawingml/2006/main" xmlns:r="http://schemas.openxmlformats.org/officeDocument/2006/relationships" xmlns:p="http://schemas.openxmlformats.org/presentationml/2006/main">
+  <p:cSld>
+    <p:spTree>
+      <p:nvGrpSpPr>
+        <p:cNvPr id="1" name=""/>
+        <p:cNvGrpSpPr/>
+        <p:nvPr/>
+      </p:nvGrpSpPr>
+      <p:grpSpPr>
+        <a:xfrm>
+          <a:off x="0" y="0"/>
+          <a:ext cx="0" cy="0"/>
+          <a:chOff x="0" y="0"/>
+          <a:chExt cx="0" cy="0"/>
+        </a:xfrm>
+      </p:grpSpPr>
+      <p:sp>
+        <p:nvSpPr>
           <p:cNvPr id="2" name="Title 1"/>
           <p:cNvSpPr>
             <a:spLocks noGrp="1"/>
@@ -4637,16 +4497,12 @@
           <a:p>
             <a:pPr algn="ctr"/>
             <a:r>
-              <a:rPr lang="en-US" dirty="0" smtClean="0">
+              <a:rPr lang="en-US" dirty="0">
                 <a:latin typeface="Times New Roman" panose="02020603050405020304" pitchFamily="18" charset="0"/>
                 <a:cs typeface="Times New Roman" panose="02020603050405020304" pitchFamily="18" charset="0"/>
               </a:rPr>
               <a:t>Conclusion</a:t>
             </a:r>
-            <a:endParaRPr lang="en-US" dirty="0">
-              <a:latin typeface="Times New Roman" panose="02020603050405020304" pitchFamily="18" charset="0"/>
-              <a:cs typeface="Times New Roman" panose="02020603050405020304" pitchFamily="18" charset="0"/>
-            </a:endParaRPr>
           </a:p>
         </p:txBody>
       </p:sp>
@@ -4673,7 +4529,7 @@
           <a:lstStyle/>
           <a:p>
             <a:r>
-              <a:rPr lang="en-US" dirty="0" smtClean="0">
+              <a:rPr lang="en-US" dirty="0">
                 <a:latin typeface="Times New Roman" panose="02020603050405020304" pitchFamily="18" charset="0"/>
                 <a:cs typeface="Times New Roman" panose="02020603050405020304" pitchFamily="18" charset="0"/>
               </a:rPr>
@@ -4682,7 +4538,7 @@
           </a:p>
           <a:p>
             <a:r>
-              <a:rPr lang="en-US" dirty="0" smtClean="0">
+              <a:rPr lang="en-US" dirty="0">
                 <a:latin typeface="Times New Roman" panose="02020603050405020304" pitchFamily="18" charset="0"/>
                 <a:cs typeface="Times New Roman" panose="02020603050405020304" pitchFamily="18" charset="0"/>
               </a:rPr>
@@ -4695,19 +4551,12 @@
                 <a:latin typeface="Times New Roman" panose="02020603050405020304" pitchFamily="18" charset="0"/>
                 <a:cs typeface="Times New Roman" panose="02020603050405020304" pitchFamily="18" charset="0"/>
               </a:rPr>
-              <a:t>M</a:t>
-            </a:r>
-            <a:r>
-              <a:rPr lang="en-US" dirty="0" smtClean="0">
-                <a:latin typeface="Times New Roman" panose="02020603050405020304" pitchFamily="18" charset="0"/>
-                <a:cs typeface="Times New Roman" panose="02020603050405020304" pitchFamily="18" charset="0"/>
-              </a:rPr>
-              <a:t>ultiple archives maximizes completeness</a:t>
-            </a:r>
-          </a:p>
-          <a:p>
-            <a:r>
-              <a:rPr lang="en-US" dirty="0" smtClean="0">
+              <a:t>Multiple archives maximizes completeness</a:t>
+            </a:r>
+          </a:p>
+          <a:p>
+            <a:r>
+              <a:rPr lang="en-US" dirty="0">
                 <a:latin typeface="Times New Roman" panose="02020603050405020304" pitchFamily="18" charset="0"/>
                 <a:cs typeface="Times New Roman" panose="02020603050405020304" pitchFamily="18" charset="0"/>
               </a:rPr>
@@ -4716,7 +4565,7 @@
           </a:p>
           <a:p>
             <a:r>
-              <a:rPr lang="en-US" dirty="0" smtClean="0">
+              <a:rPr lang="en-US" dirty="0">
                 <a:latin typeface="Times New Roman" panose="02020603050405020304" pitchFamily="18" charset="0"/>
                 <a:cs typeface="Times New Roman" panose="02020603050405020304" pitchFamily="18" charset="0"/>
               </a:rPr>
@@ -4741,13 +4590,6 @@
   <p:clrMapOvr>
     <a:masterClrMapping/>
   </p:clrMapOvr>
-  <p:timing>
-    <p:tnLst>
-      <p:par>
-        <p:cTn id="1" dur="indefinite" restart="never" nodeType="tmRoot"/>
-      </p:par>
-    </p:tnLst>
-  </p:timing>
 </p:sld>
 </file>
 
@@ -4790,16 +4632,12 @@
           <a:p>
             <a:pPr algn="ctr"/>
             <a:r>
-              <a:rPr lang="en-US" dirty="0" smtClean="0">
+              <a:rPr lang="en-US" dirty="0">
                 <a:latin typeface="Times New Roman" panose="02020603050405020304" pitchFamily="18" charset="0"/>
                 <a:cs typeface="Times New Roman" panose="02020603050405020304" pitchFamily="18" charset="0"/>
               </a:rPr>
               <a:t>How a memento looks like</a:t>
             </a:r>
-            <a:endParaRPr lang="en-US" dirty="0">
-              <a:latin typeface="Times New Roman" panose="02020603050405020304" pitchFamily="18" charset="0"/>
-              <a:cs typeface="Times New Roman" panose="02020603050405020304" pitchFamily="18" charset="0"/>
-            </a:endParaRPr>
           </a:p>
         </p:txBody>
       </p:sp>
@@ -4892,13 +4730,6 @@
   <p:clrMapOvr>
     <a:masterClrMapping/>
   </p:clrMapOvr>
-  <p:timing>
-    <p:tnLst>
-      <p:par>
-        <p:cTn id="1" dur="indefinite" restart="never" nodeType="tmRoot"/>
-      </p:par>
-    </p:tnLst>
-  </p:timing>
 </p:sld>
 </file>
 
@@ -4941,16 +4772,12 @@
           <a:p>
             <a:pPr algn="ctr"/>
             <a:r>
-              <a:rPr lang="en-US" dirty="0" smtClean="0">
+              <a:rPr lang="en-US" dirty="0">
                 <a:latin typeface="Times New Roman" panose="02020603050405020304" pitchFamily="18" charset="0"/>
                 <a:cs typeface="Times New Roman" panose="02020603050405020304" pitchFamily="18" charset="0"/>
               </a:rPr>
               <a:t>What it actually is!!</a:t>
             </a:r>
-            <a:endParaRPr lang="en-US" dirty="0">
-              <a:latin typeface="Times New Roman" panose="02020603050405020304" pitchFamily="18" charset="0"/>
-              <a:cs typeface="Times New Roman" panose="02020603050405020304" pitchFamily="18" charset="0"/>
-            </a:endParaRPr>
           </a:p>
         </p:txBody>
       </p:sp>
@@ -5043,13 +4870,6 @@
   <p:clrMapOvr>
     <a:masterClrMapping/>
   </p:clrMapOvr>
-  <p:timing>
-    <p:tnLst>
-      <p:par>
-        <p:cTn id="1" dur="indefinite" restart="never" nodeType="tmRoot"/>
-      </p:par>
-    </p:tnLst>
-  </p:timing>
 </p:sld>
 </file>
 
@@ -5087,59 +4907,82 @@
           <a:p>
             <a:pPr algn="ctr"/>
             <a:r>
-              <a:rPr lang="en-US" dirty="0" smtClean="0">
+              <a:rPr lang="en-US" dirty="0">
                 <a:latin typeface="Times New Roman" panose="02020603050405020304" pitchFamily="18" charset="0"/>
                 <a:cs typeface="Times New Roman" panose="02020603050405020304" pitchFamily="18" charset="0"/>
               </a:rPr>
               <a:t>Completeness and Temporal Coherence</a:t>
             </a:r>
+          </a:p>
+        </p:txBody>
+      </p:sp>
+      <p:sp>
+        <p:nvSpPr>
+          <p:cNvPr id="3" name="Content Placeholder 2"/>
+          <p:cNvSpPr>
+            <a:spLocks noGrp="1"/>
+          </p:cNvSpPr>
+          <p:nvPr>
+            <p:ph idx="1"/>
+          </p:nvPr>
+        </p:nvSpPr>
+        <p:spPr/>
+        <p:txBody>
+          <a:bodyPr/>
+          <a:lstStyle/>
+          <a:p>
+            <a:pPr marL="0" indent="0">
+              <a:buNone/>
+            </a:pPr>
+            <a:r>
+              <a:rPr lang="en-US" dirty="0">
+                <a:latin typeface="Times New Roman" panose="02020603050405020304" pitchFamily="18" charset="0"/>
+                <a:cs typeface="Times New Roman" panose="02020603050405020304" pitchFamily="18" charset="0"/>
+              </a:rPr>
+              <a:t>Completeness:</a:t>
+            </a:r>
+          </a:p>
+          <a:p>
+            <a:r>
+              <a:rPr lang="en-US" dirty="0">
+                <a:latin typeface="Times New Roman" panose="02020603050405020304" pitchFamily="18" charset="0"/>
+                <a:cs typeface="Times New Roman" panose="02020603050405020304" pitchFamily="18" charset="0"/>
+              </a:rPr>
+              <a:t>Completeness of a Memento as to its source</a:t>
+            </a:r>
+          </a:p>
+          <a:p>
+            <a:pPr marL="0" indent="0">
+              <a:buNone/>
+            </a:pPr>
             <a:endParaRPr lang="en-US" dirty="0">
               <a:latin typeface="Times New Roman" panose="02020603050405020304" pitchFamily="18" charset="0"/>
               <a:cs typeface="Times New Roman" panose="02020603050405020304" pitchFamily="18" charset="0"/>
             </a:endParaRPr>
           </a:p>
-        </p:txBody>
-      </p:sp>
-      <p:sp>
-        <p:nvSpPr>
-          <p:cNvPr id="3" name="Content Placeholder 2"/>
-          <p:cNvSpPr>
-            <a:spLocks noGrp="1"/>
-          </p:cNvSpPr>
-          <p:nvPr>
-            <p:ph idx="1"/>
-          </p:nvPr>
-        </p:nvSpPr>
-        <p:spPr/>
-        <p:txBody>
-          <a:bodyPr/>
-          <a:lstStyle/>
           <a:p>
             <a:pPr marL="0" indent="0">
               <a:buNone/>
             </a:pPr>
             <a:r>
-              <a:rPr lang="en-US" dirty="0" smtClean="0">
-                <a:latin typeface="Times New Roman" panose="02020603050405020304" pitchFamily="18" charset="0"/>
-                <a:cs typeface="Times New Roman" panose="02020603050405020304" pitchFamily="18" charset="0"/>
-              </a:rPr>
-              <a:t>Completeness:</a:t>
-            </a:r>
-          </a:p>
-          <a:p>
-            <a:r>
-              <a:rPr lang="en-US" dirty="0" smtClean="0">
-                <a:latin typeface="Times New Roman" panose="02020603050405020304" pitchFamily="18" charset="0"/>
-                <a:cs typeface="Times New Roman" panose="02020603050405020304" pitchFamily="18" charset="0"/>
-              </a:rPr>
-              <a:t>Completeness of a Memento as to its source</a:t>
-            </a:r>
-          </a:p>
-          <a:p>
-            <a:pPr marL="0" indent="0">
-              <a:buNone/>
-            </a:pPr>
-            <a:endParaRPr lang="en-US" dirty="0" smtClean="0">
+              <a:rPr lang="en-US" dirty="0">
+                <a:latin typeface="Times New Roman" panose="02020603050405020304" pitchFamily="18" charset="0"/>
+                <a:cs typeface="Times New Roman" panose="02020603050405020304" pitchFamily="18" charset="0"/>
+              </a:rPr>
+              <a:t>Temporal Coherence:</a:t>
+            </a:r>
+          </a:p>
+          <a:p>
+            <a:r>
+              <a:rPr lang="en-US" dirty="0">
+                <a:latin typeface="Times New Roman" panose="02020603050405020304" pitchFamily="18" charset="0"/>
+                <a:cs typeface="Times New Roman" panose="02020603050405020304" pitchFamily="18" charset="0"/>
+              </a:rPr>
+              <a:t>How much of a memento matches with its source</a:t>
+            </a:r>
+          </a:p>
+          <a:p>
+            <a:endParaRPr lang="en-US" dirty="0">
               <a:latin typeface="Times New Roman" panose="02020603050405020304" pitchFamily="18" charset="0"/>
               <a:cs typeface="Times New Roman" panose="02020603050405020304" pitchFamily="18" charset="0"/>
             </a:endParaRPr>
@@ -5149,34 +4992,7 @@
               <a:buNone/>
             </a:pPr>
             <a:r>
-              <a:rPr lang="en-US" dirty="0" smtClean="0">
-                <a:latin typeface="Times New Roman" panose="02020603050405020304" pitchFamily="18" charset="0"/>
-                <a:cs typeface="Times New Roman" panose="02020603050405020304" pitchFamily="18" charset="0"/>
-              </a:rPr>
-              <a:t>Temporal Coherence:</a:t>
-            </a:r>
-          </a:p>
-          <a:p>
-            <a:r>
-              <a:rPr lang="en-US" dirty="0" smtClean="0">
-                <a:latin typeface="Times New Roman" panose="02020603050405020304" pitchFamily="18" charset="0"/>
-                <a:cs typeface="Times New Roman" panose="02020603050405020304" pitchFamily="18" charset="0"/>
-              </a:rPr>
-              <a:t>How much of a memento matches with its source</a:t>
-            </a:r>
-          </a:p>
-          <a:p>
-            <a:endParaRPr lang="en-US" dirty="0" smtClean="0">
-              <a:latin typeface="Times New Roman" panose="02020603050405020304" pitchFamily="18" charset="0"/>
-              <a:cs typeface="Times New Roman" panose="02020603050405020304" pitchFamily="18" charset="0"/>
-            </a:endParaRPr>
-          </a:p>
-          <a:p>
-            <a:pPr marL="0" indent="0">
-              <a:buNone/>
-            </a:pPr>
-            <a:r>
-              <a:rPr lang="en-US" dirty="0" smtClean="0">
+              <a:rPr lang="en-US" dirty="0">
                 <a:latin typeface="Times New Roman" panose="02020603050405020304" pitchFamily="18" charset="0"/>
                 <a:cs typeface="Times New Roman" panose="02020603050405020304" pitchFamily="18" charset="0"/>
               </a:rPr>
@@ -5184,7 +5000,7 @@
             </a:r>
           </a:p>
           <a:p>
-            <a:endParaRPr lang="en-US" dirty="0" smtClean="0">
+            <a:endParaRPr lang="en-US" dirty="0">
               <a:latin typeface="Times New Roman" panose="02020603050405020304" pitchFamily="18" charset="0"/>
               <a:cs typeface="Times New Roman" panose="02020603050405020304" pitchFamily="18" charset="0"/>
             </a:endParaRPr>
@@ -5201,13 +5017,6 @@
   <p:clrMapOvr>
     <a:masterClrMapping/>
   </p:clrMapOvr>
-  <p:timing>
-    <p:tnLst>
-      <p:par>
-        <p:cTn id="1" dur="indefinite" restart="never" nodeType="tmRoot"/>
-      </p:par>
-    </p:tnLst>
-  </p:timing>
 </p:sld>
 </file>
 
@@ -5245,30 +5054,12 @@
           <a:p>
             <a:pPr algn="ctr"/>
             <a:r>
-              <a:rPr lang="en-US" dirty="0" smtClean="0">
-                <a:latin typeface="Times New Roman" panose="02020603050405020304" pitchFamily="18" charset="0"/>
-                <a:cs typeface="Times New Roman" panose="02020603050405020304" pitchFamily="18" charset="0"/>
-              </a:rPr>
-              <a:t>Markers used to determine Temporal </a:t>
-            </a:r>
-            <a:r>
-              <a:rPr lang="en-US" dirty="0">
-                <a:latin typeface="Times New Roman" panose="02020603050405020304" pitchFamily="18" charset="0"/>
-                <a:cs typeface="Times New Roman" panose="02020603050405020304" pitchFamily="18" charset="0"/>
-              </a:rPr>
-              <a:t>C</a:t>
-            </a:r>
-            <a:r>
-              <a:rPr lang="en-US" dirty="0" smtClean="0">
-                <a:latin typeface="Times New Roman" panose="02020603050405020304" pitchFamily="18" charset="0"/>
-                <a:cs typeface="Times New Roman" panose="02020603050405020304" pitchFamily="18" charset="0"/>
-              </a:rPr>
-              <a:t>oherence</a:t>
-            </a:r>
-            <a:endParaRPr lang="en-US" dirty="0">
-              <a:latin typeface="Times New Roman" panose="02020603050405020304" pitchFamily="18" charset="0"/>
-              <a:cs typeface="Times New Roman" panose="02020603050405020304" pitchFamily="18" charset="0"/>
-            </a:endParaRPr>
+              <a:rPr lang="en-US" dirty="0">
+                <a:latin typeface="Times New Roman" panose="02020603050405020304" pitchFamily="18" charset="0"/>
+                <a:cs typeface="Times New Roman" panose="02020603050405020304" pitchFamily="18" charset="0"/>
+              </a:rPr>
+              <a:t>Markers used to determine Temporal Coherence</a:t>
+            </a:r>
           </a:p>
         </p:txBody>
       </p:sp>
@@ -5288,14 +5079,14 @@
           <a:lstStyle/>
           <a:p>
             <a:r>
-              <a:rPr lang="en-US" b="1" dirty="0" smtClean="0">
+              <a:rPr lang="en-US" b="1" dirty="0">
                 <a:latin typeface="Times New Roman" panose="02020603050405020304" pitchFamily="18" charset="0"/>
                 <a:cs typeface="Times New Roman" panose="02020603050405020304" pitchFamily="18" charset="0"/>
               </a:rPr>
               <a:t>Prima Facie Coherent (</a:t>
             </a:r>
             <a:r>
-              <a:rPr lang="en-US" b="1" dirty="0" smtClean="0">
+              <a:rPr lang="en-US" b="1" dirty="0">
                 <a:solidFill>
                   <a:schemeClr val="accent6"/>
                 </a:solidFill>
@@ -5305,14 +5096,14 @@
               <a:t>green</a:t>
             </a:r>
             <a:r>
-              <a:rPr lang="en-US" b="1" dirty="0" smtClean="0">
+              <a:rPr lang="en-US" b="1" dirty="0">
                 <a:latin typeface="Times New Roman" panose="02020603050405020304" pitchFamily="18" charset="0"/>
                 <a:cs typeface="Times New Roman" panose="02020603050405020304" pitchFamily="18" charset="0"/>
               </a:rPr>
               <a:t>) </a:t>
             </a:r>
             <a:r>
-              <a:rPr lang="en-US" dirty="0" smtClean="0">
+              <a:rPr lang="en-US" dirty="0">
                 <a:latin typeface="Times New Roman" panose="02020603050405020304" pitchFamily="18" charset="0"/>
                 <a:cs typeface="Times New Roman" panose="02020603050405020304" pitchFamily="18" charset="0"/>
               </a:rPr>
@@ -5321,14 +5112,14 @@
           </a:p>
           <a:p>
             <a:r>
-              <a:rPr lang="en-US" b="1" dirty="0" smtClean="0">
+              <a:rPr lang="en-US" b="1" dirty="0">
                 <a:latin typeface="Times New Roman" panose="02020603050405020304" pitchFamily="18" charset="0"/>
                 <a:cs typeface="Times New Roman" panose="02020603050405020304" pitchFamily="18" charset="0"/>
               </a:rPr>
               <a:t>Prima Facie Violative (</a:t>
             </a:r>
             <a:r>
-              <a:rPr lang="en-US" b="1" dirty="0" smtClean="0">
+              <a:rPr lang="en-US" b="1" dirty="0">
                 <a:solidFill>
                   <a:srgbClr val="FF0000"/>
                 </a:solidFill>
@@ -5338,37 +5129,30 @@
               <a:t>red</a:t>
             </a:r>
             <a:r>
-              <a:rPr lang="en-US" b="1" dirty="0" smtClean="0">
+              <a:rPr lang="en-US" b="1" dirty="0">
                 <a:latin typeface="Times New Roman" panose="02020603050405020304" pitchFamily="18" charset="0"/>
                 <a:cs typeface="Times New Roman" panose="02020603050405020304" pitchFamily="18" charset="0"/>
               </a:rPr>
               <a:t>) </a:t>
             </a:r>
             <a:r>
-              <a:rPr lang="en-US" dirty="0" smtClean="0">
-                <a:latin typeface="Times New Roman" panose="02020603050405020304" pitchFamily="18" charset="0"/>
-                <a:cs typeface="Times New Roman" panose="02020603050405020304" pitchFamily="18" charset="0"/>
-              </a:rPr>
-              <a:t>- </a:t>
-            </a:r>
-            <a:r>
-              <a:rPr lang="en-US" dirty="0" smtClean="0">
-                <a:latin typeface="Times New Roman" panose="02020603050405020304" pitchFamily="18" charset="0"/>
-                <a:cs typeface="Times New Roman" panose="02020603050405020304" pitchFamily="18" charset="0"/>
-              </a:rPr>
-              <a:t>the resource was obtained after the HTML contents with its last modified after the timestamp of memento</a:t>
-            </a:r>
-          </a:p>
-          <a:p>
-            <a:r>
-              <a:rPr lang="en-US" b="1" dirty="0" smtClean="0">
+              <a:rPr lang="en-US" dirty="0">
+                <a:latin typeface="Times New Roman" panose="02020603050405020304" pitchFamily="18" charset="0"/>
+                <a:cs typeface="Times New Roman" panose="02020603050405020304" pitchFamily="18" charset="0"/>
+              </a:rPr>
+              <a:t>- the resource was obtained after the HTML contents with its last modified after the timestamp of memento</a:t>
+            </a:r>
+          </a:p>
+          <a:p>
+            <a:r>
+              <a:rPr lang="en-US" b="1" dirty="0">
                 <a:latin typeface="Times New Roman" panose="02020603050405020304" pitchFamily="18" charset="0"/>
                 <a:cs typeface="Times New Roman" panose="02020603050405020304" pitchFamily="18" charset="0"/>
               </a:rPr>
               <a:t>Possibly Coherent (</a:t>
             </a:r>
             <a:r>
-              <a:rPr lang="en-US" b="1" dirty="0" smtClean="0">
+              <a:rPr lang="en-US" b="1" dirty="0">
                 <a:solidFill>
                   <a:schemeClr val="accent1">
                     <a:lumMod val="75000"/>
@@ -5380,44 +5164,30 @@
               <a:t>blue</a:t>
             </a:r>
             <a:r>
-              <a:rPr lang="en-US" b="1" dirty="0" smtClean="0">
+              <a:rPr lang="en-US" b="1" dirty="0">
                 <a:latin typeface="Times New Roman" panose="02020603050405020304" pitchFamily="18" charset="0"/>
                 <a:cs typeface="Times New Roman" panose="02020603050405020304" pitchFamily="18" charset="0"/>
               </a:rPr>
               <a:t>) </a:t>
             </a:r>
             <a:r>
-              <a:rPr lang="en-US" dirty="0" smtClean="0">
-                <a:latin typeface="Times New Roman" panose="02020603050405020304" pitchFamily="18" charset="0"/>
-                <a:cs typeface="Times New Roman" panose="02020603050405020304" pitchFamily="18" charset="0"/>
-              </a:rPr>
-              <a:t>– the resource was obtained before </a:t>
-            </a:r>
-            <a:r>
-              <a:rPr lang="en-US" dirty="0" smtClean="0">
-                <a:latin typeface="Times New Roman" panose="02020603050405020304" pitchFamily="18" charset="0"/>
-                <a:cs typeface="Times New Roman" panose="02020603050405020304" pitchFamily="18" charset="0"/>
-              </a:rPr>
-              <a:t>HTML contents wer</a:t>
-            </a:r>
-            <a:r>
-              <a:rPr lang="en-US" dirty="0" smtClean="0">
-                <a:latin typeface="Times New Roman" panose="02020603050405020304" pitchFamily="18" charset="0"/>
-                <a:cs typeface="Times New Roman" panose="02020603050405020304" pitchFamily="18" charset="0"/>
-              </a:rPr>
-              <a:t>e obtained</a:t>
-            </a:r>
-          </a:p>
-          <a:p>
-            <a:r>
-              <a:rPr lang="en-US" b="1" dirty="0" smtClean="0">
+              <a:rPr lang="en-US" dirty="0">
+                <a:latin typeface="Times New Roman" panose="02020603050405020304" pitchFamily="18" charset="0"/>
+                <a:cs typeface="Times New Roman" panose="02020603050405020304" pitchFamily="18" charset="0"/>
+              </a:rPr>
+              <a:t>– the resource was obtained before HTML contents were obtained</a:t>
+            </a:r>
+          </a:p>
+          <a:p>
+            <a:r>
+              <a:rPr lang="en-US" b="1" dirty="0">
                 <a:latin typeface="Times New Roman" panose="02020603050405020304" pitchFamily="18" charset="0"/>
                 <a:cs typeface="Times New Roman" panose="02020603050405020304" pitchFamily="18" charset="0"/>
               </a:rPr>
               <a:t>Probably Violative (</a:t>
             </a:r>
             <a:r>
-              <a:rPr lang="en-US" b="1" dirty="0" smtClean="0">
+              <a:rPr lang="en-US" b="1" dirty="0">
                 <a:solidFill>
                   <a:schemeClr val="accent4">
                     <a:lumMod val="60000"/>
@@ -5430,30 +5200,19 @@
               <a:t>yellow</a:t>
             </a:r>
             <a:r>
-              <a:rPr lang="en-US" b="1" dirty="0" smtClean="0">
+              <a:rPr lang="en-US" b="1" dirty="0">
                 <a:latin typeface="Times New Roman" panose="02020603050405020304" pitchFamily="18" charset="0"/>
                 <a:cs typeface="Times New Roman" panose="02020603050405020304" pitchFamily="18" charset="0"/>
               </a:rPr>
               <a:t>) </a:t>
             </a:r>
             <a:r>
-              <a:rPr lang="en-US" dirty="0" smtClean="0">
-                <a:latin typeface="Times New Roman" panose="02020603050405020304" pitchFamily="18" charset="0"/>
-                <a:cs typeface="Times New Roman" panose="02020603050405020304" pitchFamily="18" charset="0"/>
-              </a:rPr>
-              <a:t>- </a:t>
-            </a:r>
-            <a:r>
-              <a:rPr lang="en-US" dirty="0" smtClean="0">
-                <a:latin typeface="Times New Roman" panose="02020603050405020304" pitchFamily="18" charset="0"/>
-                <a:cs typeface="Times New Roman" panose="02020603050405020304" pitchFamily="18" charset="0"/>
-              </a:rPr>
-              <a:t>the resource was obtained after the HTML contents but lacks last modified</a:t>
-            </a:r>
-            <a:endParaRPr lang="en-US" dirty="0">
-              <a:latin typeface="Times New Roman" panose="02020603050405020304" pitchFamily="18" charset="0"/>
-              <a:cs typeface="Times New Roman" panose="02020603050405020304" pitchFamily="18" charset="0"/>
-            </a:endParaRPr>
+              <a:rPr lang="en-US" dirty="0">
+                <a:latin typeface="Times New Roman" panose="02020603050405020304" pitchFamily="18" charset="0"/>
+                <a:cs typeface="Times New Roman" panose="02020603050405020304" pitchFamily="18" charset="0"/>
+              </a:rPr>
+              <a:t>- the resource was obtained after the HTML contents but lacks last modified</a:t>
+            </a:r>
           </a:p>
         </p:txBody>
       </p:sp>
@@ -5504,16 +5263,12 @@
           <a:p>
             <a:pPr algn="ctr"/>
             <a:r>
-              <a:rPr lang="en-US" dirty="0" smtClean="0">
+              <a:rPr lang="en-US" dirty="0">
                 <a:latin typeface="Times New Roman" panose="02020603050405020304" pitchFamily="18" charset="0"/>
                 <a:cs typeface="Times New Roman" panose="02020603050405020304" pitchFamily="18" charset="0"/>
               </a:rPr>
               <a:t>Mementos and their relationship with Temporal Coherence </a:t>
             </a:r>
-            <a:endParaRPr lang="en-US" dirty="0">
-              <a:latin typeface="Times New Roman" panose="02020603050405020304" pitchFamily="18" charset="0"/>
-              <a:cs typeface="Times New Roman" panose="02020603050405020304" pitchFamily="18" charset="0"/>
-            </a:endParaRPr>
           </a:p>
         </p:txBody>
       </p:sp>
@@ -5606,13 +5361,6 @@
   <p:clrMapOvr>
     <a:masterClrMapping/>
   </p:clrMapOvr>
-  <p:timing>
-    <p:tnLst>
-      <p:par>
-        <p:cTn id="1" dur="indefinite" restart="never" nodeType="tmRoot"/>
-      </p:par>
-    </p:tnLst>
-  </p:timing>
 </p:sld>
 </file>
 
@@ -5650,16 +5398,12 @@
           <a:p>
             <a:pPr algn="ctr"/>
             <a:r>
-              <a:rPr lang="en-US" dirty="0" smtClean="0">
+              <a:rPr lang="en-US" dirty="0">
                 <a:latin typeface="Times New Roman" panose="02020603050405020304" pitchFamily="18" charset="0"/>
                 <a:cs typeface="Times New Roman" panose="02020603050405020304" pitchFamily="18" charset="0"/>
               </a:rPr>
               <a:t>Data Monitored</a:t>
             </a:r>
-            <a:endParaRPr lang="en-US" dirty="0">
-              <a:latin typeface="Times New Roman" panose="02020603050405020304" pitchFamily="18" charset="0"/>
-              <a:cs typeface="Times New Roman" panose="02020603050405020304" pitchFamily="18" charset="0"/>
-            </a:endParaRPr>
           </a:p>
         </p:txBody>
       </p:sp>
@@ -5740,16 +5484,12 @@
           <a:p>
             <a:pPr algn="ctr"/>
             <a:r>
-              <a:rPr lang="en-US" dirty="0" smtClean="0">
+              <a:rPr lang="en-US" dirty="0">
                 <a:latin typeface="Times New Roman" panose="02020603050405020304" pitchFamily="18" charset="0"/>
                 <a:cs typeface="Times New Roman" panose="02020603050405020304" pitchFamily="18" charset="0"/>
               </a:rPr>
               <a:t>Questions answered</a:t>
             </a:r>
-            <a:endParaRPr lang="en-US" dirty="0">
-              <a:latin typeface="Times New Roman" panose="02020603050405020304" pitchFamily="18" charset="0"/>
-              <a:cs typeface="Times New Roman" panose="02020603050405020304" pitchFamily="18" charset="0"/>
-            </a:endParaRPr>
           </a:p>
         </p:txBody>
       </p:sp>
@@ -5769,7 +5509,7 @@
           <a:lstStyle/>
           <a:p>
             <a:r>
-              <a:rPr lang="en-US" dirty="0" smtClean="0">
+              <a:rPr lang="en-US" dirty="0">
                 <a:latin typeface="Times New Roman" panose="02020603050405020304" pitchFamily="18" charset="0"/>
                 <a:cs typeface="Times New Roman" panose="02020603050405020304" pitchFamily="18" charset="0"/>
               </a:rPr>
@@ -5778,7 +5518,7 @@
           </a:p>
           <a:p>
             <a:r>
-              <a:rPr lang="en-US" dirty="0" smtClean="0">
+              <a:rPr lang="en-US" dirty="0">
                 <a:latin typeface="Times New Roman" panose="02020603050405020304" pitchFamily="18" charset="0"/>
                 <a:cs typeface="Times New Roman" panose="02020603050405020304" pitchFamily="18" charset="0"/>
               </a:rPr>
@@ -5787,16 +5527,12 @@
           </a:p>
           <a:p>
             <a:r>
-              <a:rPr lang="en-US" dirty="0" smtClean="0">
+              <a:rPr lang="en-US" dirty="0">
                 <a:latin typeface="Times New Roman" panose="02020603050405020304" pitchFamily="18" charset="0"/>
                 <a:cs typeface="Times New Roman" panose="02020603050405020304" pitchFamily="18" charset="0"/>
               </a:rPr>
               <a:t>The best memento for an embedded resource can be selected using many different heuristics. Currently, most web archives use the Minimum Distance heuristic. How do other heuristics compare?</a:t>
             </a:r>
-            <a:endParaRPr lang="en-US" dirty="0">
-              <a:latin typeface="Times New Roman" panose="02020603050405020304" pitchFamily="18" charset="0"/>
-              <a:cs typeface="Times New Roman" panose="02020603050405020304" pitchFamily="18" charset="0"/>
-            </a:endParaRPr>
           </a:p>
         </p:txBody>
       </p:sp>
@@ -5852,16 +5588,12 @@
           <a:p>
             <a:pPr algn="ctr"/>
             <a:r>
-              <a:rPr lang="en-US" dirty="0" smtClean="0">
+              <a:rPr lang="en-US" dirty="0">
                 <a:latin typeface="Times New Roman" panose="02020603050405020304" pitchFamily="18" charset="0"/>
                 <a:cs typeface="Times New Roman" panose="02020603050405020304" pitchFamily="18" charset="0"/>
               </a:rPr>
               <a:t>Composite Memento</a:t>
             </a:r>
-            <a:endParaRPr lang="en-US" dirty="0">
-              <a:latin typeface="Times New Roman" panose="02020603050405020304" pitchFamily="18" charset="0"/>
-              <a:cs typeface="Times New Roman" panose="02020603050405020304" pitchFamily="18" charset="0"/>
-            </a:endParaRPr>
           </a:p>
         </p:txBody>
       </p:sp>
@@ -5954,13 +5686,6 @@
   <p:clrMapOvr>
     <a:masterClrMapping/>
   </p:clrMapOvr>
-  <p:timing>
-    <p:tnLst>
-      <p:par>
-        <p:cTn id="1" dur="indefinite" restart="never" nodeType="tmRoot"/>
-      </p:par>
-    </p:tnLst>
-  </p:timing>
 </p:sld>
 </file>
 

--- a/assignments/pabbisetty/extra-credit/Only One Out of Five Archived Web Pages.pptx
+++ b/assignments/pabbisetty/extra-credit/Only One Out of Five Archived Web Pages.pptx
@@ -4440,7 +4440,21 @@
                 <a:latin typeface="Times New Roman" panose="02020603050405020304" pitchFamily="18" charset="0"/>
                 <a:cs typeface="Times New Roman" panose="02020603050405020304" pitchFamily="18" charset="0"/>
               </a:rPr>
-              <a:t>Communicating skills – Indicating the coherent status of memento to the user</a:t>
+              <a:t>Communicating skills – Indicating the coherent status </a:t>
+            </a:r>
+            <a:r>
+              <a:rPr lang="en-US">
+                <a:latin typeface="Times New Roman" panose="02020603050405020304" pitchFamily="18" charset="0"/>
+                <a:cs typeface="Times New Roman" panose="02020603050405020304" pitchFamily="18" charset="0"/>
+              </a:rPr>
+              <a:t>of a memento </a:t>
+            </a:r>
+            <a:r>
+              <a:rPr lang="en-US" dirty="0">
+                <a:latin typeface="Times New Roman" panose="02020603050405020304" pitchFamily="18" charset="0"/>
+                <a:cs typeface="Times New Roman" panose="02020603050405020304" pitchFamily="18" charset="0"/>
+              </a:rPr>
+              <a:t>to the user</a:t>
             </a:r>
           </a:p>
         </p:txBody>
